--- a/k8s školení.pptx
+++ b/k8s školení.pptx
@@ -5,7 +5,7 @@
     <p:sldMasterId id="2147483659" r:id="rId1"/>
   </p:sldMasterIdLst>
   <p:notesMasterIdLst>
-    <p:notesMasterId r:id="rId32"/>
+    <p:notesMasterId r:id="rId28"/>
   </p:notesMasterIdLst>
   <p:sldIdLst>
     <p:sldId id="256" r:id="rId2"/>
@@ -21,23 +21,19 @@
     <p:sldId id="263" r:id="rId12"/>
     <p:sldId id="264" r:id="rId13"/>
     <p:sldId id="295" r:id="rId14"/>
-    <p:sldId id="269" r:id="rId15"/>
-    <p:sldId id="270" r:id="rId16"/>
-    <p:sldId id="277" r:id="rId17"/>
-    <p:sldId id="278" r:id="rId18"/>
-    <p:sldId id="279" r:id="rId19"/>
-    <p:sldId id="280" r:id="rId20"/>
-    <p:sldId id="281" r:id="rId21"/>
-    <p:sldId id="282" r:id="rId22"/>
+    <p:sldId id="296" r:id="rId15"/>
+    <p:sldId id="298" r:id="rId16"/>
+    <p:sldId id="299" r:id="rId17"/>
+    <p:sldId id="300" r:id="rId18"/>
+    <p:sldId id="297" r:id="rId19"/>
+    <p:sldId id="279" r:id="rId20"/>
+    <p:sldId id="280" r:id="rId21"/>
+    <p:sldId id="301" r:id="rId22"/>
     <p:sldId id="283" r:id="rId23"/>
     <p:sldId id="284" r:id="rId24"/>
-    <p:sldId id="285" r:id="rId25"/>
-    <p:sldId id="286" r:id="rId26"/>
-    <p:sldId id="287" r:id="rId27"/>
-    <p:sldId id="288" r:id="rId28"/>
-    <p:sldId id="289" r:id="rId29"/>
-    <p:sldId id="290" r:id="rId30"/>
-    <p:sldId id="291" r:id="rId31"/>
+    <p:sldId id="289" r:id="rId25"/>
+    <p:sldId id="290" r:id="rId26"/>
+    <p:sldId id="291" r:id="rId27"/>
   </p:sldIdLst>
   <p:sldSz cx="9144000" cy="5143500" type="screen16x9"/>
   <p:notesSz cx="6858000" cy="9144000"/>
@@ -270,6 +266,11 @@
       </a:defRPr>
     </a:lvl9pPr>
   </p:defaultTextStyle>
+  <p:extLst>
+    <p:ext uri="{EFAFB233-063F-42B5-8137-9DF3F51BA10A}">
+      <p15:sldGuideLst xmlns:p15="http://schemas.microsoft.com/office/powerpoint/2012/main"/>
+    </p:ext>
+  </p:extLst>
 </p:presentation>
 </file>
 
@@ -966,7 +967,7 @@
         </p:nvSpPr>
         <p:spPr>
           <a:xfrm>
-            <a:off x="381300" y="685800"/>
+            <a:off x="381000" y="685800"/>
             <a:ext cx="6096000" cy="3429000"/>
           </a:xfrm>
           <a:custGeom>
@@ -1031,10 +1032,10 @@
               <a:buChar char="-"/>
             </a:pPr>
             <a:r>
-              <a:rPr lang="en"/>
+              <a:rPr lang="en" dirty="0"/>
               <a:t>Pody jsou vždy pospolu, vedle sebe, nasazené na stejné nodě a přenasazené taky vždy spolu</a:t>
             </a:r>
-            <a:endParaRPr/>
+            <a:endParaRPr dirty="0"/>
           </a:p>
           <a:p>
             <a:pPr marL="457200" lvl="0" indent="-298450" algn="l" rtl="0">
@@ -1048,17 +1049,17 @@
               <a:buChar char="-"/>
             </a:pPr>
             <a:r>
-              <a:rPr lang="en"/>
+              <a:rPr lang="en" dirty="0"/>
               <a:t>Málokdy se pracuje přímo s jednotlivými pody</a:t>
             </a:r>
-            <a:endParaRPr/>
+            <a:endParaRPr dirty="0"/>
           </a:p>
         </p:txBody>
       </p:sp>
     </p:spTree>
     <p:extLst>
       <p:ext uri="{BB962C8B-B14F-4D97-AF65-F5344CB8AC3E}">
-        <p14:creationId xmlns:p14="http://schemas.microsoft.com/office/powerpoint/2010/main" val="1124897225"/>
+        <p14:creationId xmlns:p14="http://schemas.microsoft.com/office/powerpoint/2010/main" val="1844644076"/>
       </p:ext>
     </p:extLst>
   </p:cSld>
@@ -1073,7 +1074,7 @@
   <p:cSld>
     <p:spTree>
       <p:nvGrpSpPr>
-        <p:cNvPr id="1" name="Shape 138"/>
+        <p:cNvPr id="1" name="Shape 132"/>
         <p:cNvGrpSpPr/>
         <p:nvPr/>
       </p:nvGrpSpPr>
@@ -1087,7 +1088,7 @@
       </p:grpSpPr>
       <p:sp>
         <p:nvSpPr>
-          <p:cNvPr id="139" name="Google Shape;139;gaf6aa6ea08_0_196:notes"/>
+          <p:cNvPr id="133" name="Google Shape;133;gaf6aa6ea08_0_10:notes"/>
           <p:cNvSpPr>
             <a:spLocks noGrp="1" noRot="1" noChangeAspect="1"/>
           </p:cNvSpPr>
@@ -1097,7 +1098,7 @@
         </p:nvSpPr>
         <p:spPr>
           <a:xfrm>
-            <a:off x="381300" y="685800"/>
+            <a:off x="381000" y="685800"/>
             <a:ext cx="6096000" cy="3429000"/>
           </a:xfrm>
           <a:custGeom>
@@ -1128,7 +1129,7 @@
       </p:sp>
       <p:sp>
         <p:nvSpPr>
-          <p:cNvPr id="140" name="Google Shape;140;gaf6aa6ea08_0_196:notes"/>
+          <p:cNvPr id="134" name="Google Shape;134;gaf6aa6ea08_0_10:notes"/>
           <p:cNvSpPr txBox="1">
             <a:spLocks noGrp="1"/>
           </p:cNvSpPr>
@@ -1151,23 +1152,45 @@
           </a:bodyPr>
           <a:lstStyle/>
           <a:p>
-            <a:pPr marL="0" lvl="0" indent="0" algn="l" rtl="0">
-              <a:spcBef>
-                <a:spcPts val="0"/>
-              </a:spcBef>
-              <a:spcAft>
-                <a:spcPts val="0"/>
-              </a:spcAft>
-              <a:buNone/>
-            </a:pPr>
-            <a:endParaRPr/>
+            <a:pPr marL="457200" lvl="0" indent="-298450" algn="l" rtl="0">
+              <a:spcBef>
+                <a:spcPts val="0"/>
+              </a:spcBef>
+              <a:spcAft>
+                <a:spcPts val="0"/>
+              </a:spcAft>
+              <a:buSzPts val="1100"/>
+              <a:buChar char="-"/>
+            </a:pPr>
+            <a:r>
+              <a:rPr lang="en" dirty="0"/>
+              <a:t>Pody jsou vždy pospolu, vedle sebe, nasazené na stejné nodě a přenasazené taky vždy spolu</a:t>
+            </a:r>
+            <a:endParaRPr dirty="0"/>
+          </a:p>
+          <a:p>
+            <a:pPr marL="457200" lvl="0" indent="-298450" algn="l" rtl="0">
+              <a:spcBef>
+                <a:spcPts val="0"/>
+              </a:spcBef>
+              <a:spcAft>
+                <a:spcPts val="0"/>
+              </a:spcAft>
+              <a:buSzPts val="1100"/>
+              <a:buChar char="-"/>
+            </a:pPr>
+            <a:r>
+              <a:rPr lang="en" dirty="0"/>
+              <a:t>Málokdy se pracuje přímo s jednotlivými pody</a:t>
+            </a:r>
+            <a:endParaRPr dirty="0"/>
           </a:p>
         </p:txBody>
       </p:sp>
     </p:spTree>
     <p:extLst>
       <p:ext uri="{BB962C8B-B14F-4D97-AF65-F5344CB8AC3E}">
-        <p14:creationId xmlns:p14="http://schemas.microsoft.com/office/powerpoint/2010/main" val="1955669886"/>
+        <p14:creationId xmlns:p14="http://schemas.microsoft.com/office/powerpoint/2010/main" val="3376839143"/>
       </p:ext>
     </p:extLst>
   </p:cSld>
@@ -1178,224 +1201,6 @@
 </file>
 
 <file path=ppt/notesSlides/notesSlide13.xml><?xml version="1.0" encoding="utf-8"?>
-<p:notes xmlns:a="http://schemas.openxmlformats.org/drawingml/2006/main" xmlns:r="http://schemas.openxmlformats.org/officeDocument/2006/relationships" xmlns:p="http://schemas.openxmlformats.org/presentationml/2006/main" showMasterSp="0" showMasterPhAnim="0">
-  <p:cSld>
-    <p:spTree>
-      <p:nvGrpSpPr>
-        <p:cNvPr id="1" name="Shape 247"/>
-        <p:cNvGrpSpPr/>
-        <p:nvPr/>
-      </p:nvGrpSpPr>
-      <p:grpSpPr>
-        <a:xfrm>
-          <a:off x="0" y="0"/>
-          <a:ext cx="0" cy="0"/>
-          <a:chOff x="0" y="0"/>
-          <a:chExt cx="0" cy="0"/>
-        </a:xfrm>
-      </p:grpSpPr>
-      <p:sp>
-        <p:nvSpPr>
-          <p:cNvPr id="248" name="Google Shape;248;gaf6aa6ea08_0_23:notes"/>
-          <p:cNvSpPr>
-            <a:spLocks noGrp="1" noRot="1" noChangeAspect="1"/>
-          </p:cNvSpPr>
-          <p:nvPr>
-            <p:ph type="sldImg" idx="2"/>
-          </p:nvPr>
-        </p:nvSpPr>
-        <p:spPr>
-          <a:xfrm>
-            <a:off x="381300" y="685800"/>
-            <a:ext cx="6096000" cy="3429000"/>
-          </a:xfrm>
-          <a:custGeom>
-            <a:avLst/>
-            <a:gdLst/>
-            <a:ahLst/>
-            <a:cxnLst/>
-            <a:rect l="l" t="t" r="r" b="b"/>
-            <a:pathLst>
-              <a:path w="120000" h="120000" extrusionOk="0">
-                <a:moveTo>
-                  <a:pt x="0" y="0"/>
-                </a:moveTo>
-                <a:lnTo>
-                  <a:pt x="120000" y="0"/>
-                </a:lnTo>
-                <a:lnTo>
-                  <a:pt x="120000" y="120000"/>
-                </a:lnTo>
-                <a:lnTo>
-                  <a:pt x="0" y="120000"/>
-                </a:lnTo>
-                <a:close/>
-              </a:path>
-            </a:pathLst>
-          </a:custGeom>
-        </p:spPr>
-      </p:sp>
-      <p:sp>
-        <p:nvSpPr>
-          <p:cNvPr id="249" name="Google Shape;249;gaf6aa6ea08_0_23:notes"/>
-          <p:cNvSpPr txBox="1">
-            <a:spLocks noGrp="1"/>
-          </p:cNvSpPr>
-          <p:nvPr>
-            <p:ph type="body" idx="1"/>
-          </p:nvPr>
-        </p:nvSpPr>
-        <p:spPr>
-          <a:xfrm>
-            <a:off x="685800" y="4343400"/>
-            <a:ext cx="5486400" cy="4114800"/>
-          </a:xfrm>
-          <a:prstGeom prst="rect">
-            <a:avLst/>
-          </a:prstGeom>
-        </p:spPr>
-        <p:txBody>
-          <a:bodyPr spcFirstLastPara="1" wrap="square" lIns="91425" tIns="91425" rIns="91425" bIns="91425" anchor="t" anchorCtr="0">
-            <a:noAutofit/>
-          </a:bodyPr>
-          <a:lstStyle/>
-          <a:p>
-            <a:pPr marL="0" lvl="0" indent="0" algn="l" rtl="0">
-              <a:spcBef>
-                <a:spcPts val="0"/>
-              </a:spcBef>
-              <a:spcAft>
-                <a:spcPts val="0"/>
-              </a:spcAft>
-              <a:buNone/>
-            </a:pPr>
-            <a:endParaRPr/>
-          </a:p>
-        </p:txBody>
-      </p:sp>
-    </p:spTree>
-    <p:extLst>
-      <p:ext uri="{BB962C8B-B14F-4D97-AF65-F5344CB8AC3E}">
-        <p14:creationId xmlns:p14="http://schemas.microsoft.com/office/powerpoint/2010/main" val="1596548088"/>
-      </p:ext>
-    </p:extLst>
-  </p:cSld>
-  <p:clrMapOvr>
-    <a:masterClrMapping/>
-  </p:clrMapOvr>
-</p:notes>
-</file>
-
-<file path=ppt/notesSlides/notesSlide14.xml><?xml version="1.0" encoding="utf-8"?>
-<p:notes xmlns:a="http://schemas.openxmlformats.org/drawingml/2006/main" xmlns:r="http://schemas.openxmlformats.org/officeDocument/2006/relationships" xmlns:p="http://schemas.openxmlformats.org/presentationml/2006/main" showMasterSp="0" showMasterPhAnim="0">
-  <p:cSld>
-    <p:spTree>
-      <p:nvGrpSpPr>
-        <p:cNvPr id="1" name="Shape 253"/>
-        <p:cNvGrpSpPr/>
-        <p:nvPr/>
-      </p:nvGrpSpPr>
-      <p:grpSpPr>
-        <a:xfrm>
-          <a:off x="0" y="0"/>
-          <a:ext cx="0" cy="0"/>
-          <a:chOff x="0" y="0"/>
-          <a:chExt cx="0" cy="0"/>
-        </a:xfrm>
-      </p:grpSpPr>
-      <p:sp>
-        <p:nvSpPr>
-          <p:cNvPr id="254" name="Google Shape;254;gaf6aa6ea08_0_208:notes"/>
-          <p:cNvSpPr>
-            <a:spLocks noGrp="1" noRot="1" noChangeAspect="1"/>
-          </p:cNvSpPr>
-          <p:nvPr>
-            <p:ph type="sldImg" idx="2"/>
-          </p:nvPr>
-        </p:nvSpPr>
-        <p:spPr>
-          <a:xfrm>
-            <a:off x="381300" y="685800"/>
-            <a:ext cx="6096000" cy="3429000"/>
-          </a:xfrm>
-          <a:custGeom>
-            <a:avLst/>
-            <a:gdLst/>
-            <a:ahLst/>
-            <a:cxnLst/>
-            <a:rect l="l" t="t" r="r" b="b"/>
-            <a:pathLst>
-              <a:path w="120000" h="120000" extrusionOk="0">
-                <a:moveTo>
-                  <a:pt x="0" y="0"/>
-                </a:moveTo>
-                <a:lnTo>
-                  <a:pt x="120000" y="0"/>
-                </a:lnTo>
-                <a:lnTo>
-                  <a:pt x="120000" y="120000"/>
-                </a:lnTo>
-                <a:lnTo>
-                  <a:pt x="0" y="120000"/>
-                </a:lnTo>
-                <a:close/>
-              </a:path>
-            </a:pathLst>
-          </a:custGeom>
-        </p:spPr>
-      </p:sp>
-      <p:sp>
-        <p:nvSpPr>
-          <p:cNvPr id="255" name="Google Shape;255;gaf6aa6ea08_0_208:notes"/>
-          <p:cNvSpPr txBox="1">
-            <a:spLocks noGrp="1"/>
-          </p:cNvSpPr>
-          <p:nvPr>
-            <p:ph type="body" idx="1"/>
-          </p:nvPr>
-        </p:nvSpPr>
-        <p:spPr>
-          <a:xfrm>
-            <a:off x="685800" y="4343400"/>
-            <a:ext cx="5486400" cy="4114800"/>
-          </a:xfrm>
-          <a:prstGeom prst="rect">
-            <a:avLst/>
-          </a:prstGeom>
-        </p:spPr>
-        <p:txBody>
-          <a:bodyPr spcFirstLastPara="1" wrap="square" lIns="91425" tIns="91425" rIns="91425" bIns="91425" anchor="t" anchorCtr="0">
-            <a:noAutofit/>
-          </a:bodyPr>
-          <a:lstStyle/>
-          <a:p>
-            <a:pPr marL="0" lvl="0" indent="0" algn="l" rtl="0">
-              <a:spcBef>
-                <a:spcPts val="0"/>
-              </a:spcBef>
-              <a:spcAft>
-                <a:spcPts val="0"/>
-              </a:spcAft>
-              <a:buNone/>
-            </a:pPr>
-            <a:endParaRPr/>
-          </a:p>
-        </p:txBody>
-      </p:sp>
-    </p:spTree>
-    <p:extLst>
-      <p:ext uri="{BB962C8B-B14F-4D97-AF65-F5344CB8AC3E}">
-        <p14:creationId xmlns:p14="http://schemas.microsoft.com/office/powerpoint/2010/main" val="3847358268"/>
-      </p:ext>
-    </p:extLst>
-  </p:cSld>
-  <p:clrMapOvr>
-    <a:masterClrMapping/>
-  </p:clrMapOvr>
-</p:notes>
-</file>
-
-<file path=ppt/notesSlides/notesSlide15.xml><?xml version="1.0" encoding="utf-8"?>
 <p:notes xmlns:a="http://schemas.openxmlformats.org/drawingml/2006/main" xmlns:r="http://schemas.openxmlformats.org/officeDocument/2006/relationships" xmlns:p="http://schemas.openxmlformats.org/presentationml/2006/main" showMasterSp="0" showMasterPhAnim="0">
   <p:cSld>
     <p:spTree>
@@ -1424,7 +1229,7 @@
         </p:nvSpPr>
         <p:spPr>
           <a:xfrm>
-            <a:off x="381300" y="685800"/>
+            <a:off x="381000" y="685800"/>
             <a:ext cx="6096000" cy="3429000"/>
           </a:xfrm>
           <a:custGeom>
@@ -1504,7 +1309,7 @@
 </p:notes>
 </file>
 
-<file path=ppt/notesSlides/notesSlide16.xml><?xml version="1.0" encoding="utf-8"?>
+<file path=ppt/notesSlides/notesSlide14.xml><?xml version="1.0" encoding="utf-8"?>
 <p:notes xmlns:a="http://schemas.openxmlformats.org/drawingml/2006/main" xmlns:r="http://schemas.openxmlformats.org/officeDocument/2006/relationships" xmlns:p="http://schemas.openxmlformats.org/presentationml/2006/main" showMasterSp="0" showMasterPhAnim="0">
   <p:cSld>
     <p:spTree>
@@ -1533,7 +1338,7 @@
         </p:nvSpPr>
         <p:spPr>
           <a:xfrm>
-            <a:off x="381300" y="685800"/>
+            <a:off x="381000" y="685800"/>
             <a:ext cx="6096000" cy="3429000"/>
           </a:xfrm>
           <a:custGeom>
@@ -1613,225 +1418,7 @@
 </p:notes>
 </file>
 
-<file path=ppt/notesSlides/notesSlide17.xml><?xml version="1.0" encoding="utf-8"?>
-<p:notes xmlns:a="http://schemas.openxmlformats.org/drawingml/2006/main" xmlns:r="http://schemas.openxmlformats.org/officeDocument/2006/relationships" xmlns:p="http://schemas.openxmlformats.org/presentationml/2006/main" showMasterSp="0" showMasterPhAnim="0">
-  <p:cSld>
-    <p:spTree>
-      <p:nvGrpSpPr>
-        <p:cNvPr id="1" name="Shape 271"/>
-        <p:cNvGrpSpPr/>
-        <p:nvPr/>
-      </p:nvGrpSpPr>
-      <p:grpSpPr>
-        <a:xfrm>
-          <a:off x="0" y="0"/>
-          <a:ext cx="0" cy="0"/>
-          <a:chOff x="0" y="0"/>
-          <a:chExt cx="0" cy="0"/>
-        </a:xfrm>
-      </p:grpSpPr>
-      <p:sp>
-        <p:nvSpPr>
-          <p:cNvPr id="272" name="Google Shape;272;gaf6aa6ea08_0_237:notes"/>
-          <p:cNvSpPr>
-            <a:spLocks noGrp="1" noRot="1" noChangeAspect="1"/>
-          </p:cNvSpPr>
-          <p:nvPr>
-            <p:ph type="sldImg" idx="2"/>
-          </p:nvPr>
-        </p:nvSpPr>
-        <p:spPr>
-          <a:xfrm>
-            <a:off x="381300" y="685800"/>
-            <a:ext cx="6096000" cy="3429000"/>
-          </a:xfrm>
-          <a:custGeom>
-            <a:avLst/>
-            <a:gdLst/>
-            <a:ahLst/>
-            <a:cxnLst/>
-            <a:rect l="l" t="t" r="r" b="b"/>
-            <a:pathLst>
-              <a:path w="120000" h="120000" extrusionOk="0">
-                <a:moveTo>
-                  <a:pt x="0" y="0"/>
-                </a:moveTo>
-                <a:lnTo>
-                  <a:pt x="120000" y="0"/>
-                </a:lnTo>
-                <a:lnTo>
-                  <a:pt x="120000" y="120000"/>
-                </a:lnTo>
-                <a:lnTo>
-                  <a:pt x="0" y="120000"/>
-                </a:lnTo>
-                <a:close/>
-              </a:path>
-            </a:pathLst>
-          </a:custGeom>
-        </p:spPr>
-      </p:sp>
-      <p:sp>
-        <p:nvSpPr>
-          <p:cNvPr id="273" name="Google Shape;273;gaf6aa6ea08_0_237:notes"/>
-          <p:cNvSpPr txBox="1">
-            <a:spLocks noGrp="1"/>
-          </p:cNvSpPr>
-          <p:nvPr>
-            <p:ph type="body" idx="1"/>
-          </p:nvPr>
-        </p:nvSpPr>
-        <p:spPr>
-          <a:xfrm>
-            <a:off x="685800" y="4343400"/>
-            <a:ext cx="5486400" cy="4114800"/>
-          </a:xfrm>
-          <a:prstGeom prst="rect">
-            <a:avLst/>
-          </a:prstGeom>
-        </p:spPr>
-        <p:txBody>
-          <a:bodyPr spcFirstLastPara="1" wrap="square" lIns="91425" tIns="91425" rIns="91425" bIns="91425" anchor="t" anchorCtr="0">
-            <a:noAutofit/>
-          </a:bodyPr>
-          <a:lstStyle/>
-          <a:p>
-            <a:pPr marL="0" lvl="0" indent="0" algn="l" rtl="0">
-              <a:spcBef>
-                <a:spcPts val="0"/>
-              </a:spcBef>
-              <a:spcAft>
-                <a:spcPts val="0"/>
-              </a:spcAft>
-              <a:buNone/>
-            </a:pPr>
-            <a:endParaRPr/>
-          </a:p>
-        </p:txBody>
-      </p:sp>
-    </p:spTree>
-    <p:extLst>
-      <p:ext uri="{BB962C8B-B14F-4D97-AF65-F5344CB8AC3E}">
-        <p14:creationId xmlns:p14="http://schemas.microsoft.com/office/powerpoint/2010/main" val="6503003"/>
-      </p:ext>
-    </p:extLst>
-  </p:cSld>
-  <p:clrMapOvr>
-    <a:masterClrMapping/>
-  </p:clrMapOvr>
-</p:notes>
-</file>
-
-<file path=ppt/notesSlides/notesSlide18.xml><?xml version="1.0" encoding="utf-8"?>
-<p:notes xmlns:a="http://schemas.openxmlformats.org/drawingml/2006/main" xmlns:r="http://schemas.openxmlformats.org/officeDocument/2006/relationships" xmlns:p="http://schemas.openxmlformats.org/presentationml/2006/main" showMasterSp="0" showMasterPhAnim="0">
-  <p:cSld>
-    <p:spTree>
-      <p:nvGrpSpPr>
-        <p:cNvPr id="1" name="Shape 277"/>
-        <p:cNvGrpSpPr/>
-        <p:nvPr/>
-      </p:nvGrpSpPr>
-      <p:grpSpPr>
-        <a:xfrm>
-          <a:off x="0" y="0"/>
-          <a:ext cx="0" cy="0"/>
-          <a:chOff x="0" y="0"/>
-          <a:chExt cx="0" cy="0"/>
-        </a:xfrm>
-      </p:grpSpPr>
-      <p:sp>
-        <p:nvSpPr>
-          <p:cNvPr id="278" name="Google Shape;278;gaf6aa6ea08_0_246:notes"/>
-          <p:cNvSpPr>
-            <a:spLocks noGrp="1" noRot="1" noChangeAspect="1"/>
-          </p:cNvSpPr>
-          <p:nvPr>
-            <p:ph type="sldImg" idx="2"/>
-          </p:nvPr>
-        </p:nvSpPr>
-        <p:spPr>
-          <a:xfrm>
-            <a:off x="381300" y="685800"/>
-            <a:ext cx="6096000" cy="3429000"/>
-          </a:xfrm>
-          <a:custGeom>
-            <a:avLst/>
-            <a:gdLst/>
-            <a:ahLst/>
-            <a:cxnLst/>
-            <a:rect l="l" t="t" r="r" b="b"/>
-            <a:pathLst>
-              <a:path w="120000" h="120000" extrusionOk="0">
-                <a:moveTo>
-                  <a:pt x="0" y="0"/>
-                </a:moveTo>
-                <a:lnTo>
-                  <a:pt x="120000" y="0"/>
-                </a:lnTo>
-                <a:lnTo>
-                  <a:pt x="120000" y="120000"/>
-                </a:lnTo>
-                <a:lnTo>
-                  <a:pt x="0" y="120000"/>
-                </a:lnTo>
-                <a:close/>
-              </a:path>
-            </a:pathLst>
-          </a:custGeom>
-        </p:spPr>
-      </p:sp>
-      <p:sp>
-        <p:nvSpPr>
-          <p:cNvPr id="279" name="Google Shape;279;gaf6aa6ea08_0_246:notes"/>
-          <p:cNvSpPr txBox="1">
-            <a:spLocks noGrp="1"/>
-          </p:cNvSpPr>
-          <p:nvPr>
-            <p:ph type="body" idx="1"/>
-          </p:nvPr>
-        </p:nvSpPr>
-        <p:spPr>
-          <a:xfrm>
-            <a:off x="685800" y="4343400"/>
-            <a:ext cx="5486400" cy="4114800"/>
-          </a:xfrm>
-          <a:prstGeom prst="rect">
-            <a:avLst/>
-          </a:prstGeom>
-        </p:spPr>
-        <p:txBody>
-          <a:bodyPr spcFirstLastPara="1" wrap="square" lIns="91425" tIns="91425" rIns="91425" bIns="91425" anchor="t" anchorCtr="0">
-            <a:noAutofit/>
-          </a:bodyPr>
-          <a:lstStyle/>
-          <a:p>
-            <a:pPr marL="0" lvl="0" indent="0" algn="l" rtl="0">
-              <a:spcBef>
-                <a:spcPts val="0"/>
-              </a:spcBef>
-              <a:spcAft>
-                <a:spcPts val="0"/>
-              </a:spcAft>
-              <a:buNone/>
-            </a:pPr>
-            <a:endParaRPr/>
-          </a:p>
-        </p:txBody>
-      </p:sp>
-    </p:spTree>
-    <p:extLst>
-      <p:ext uri="{BB962C8B-B14F-4D97-AF65-F5344CB8AC3E}">
-        <p14:creationId xmlns:p14="http://schemas.microsoft.com/office/powerpoint/2010/main" val="3202739605"/>
-      </p:ext>
-    </p:extLst>
-  </p:cSld>
-  <p:clrMapOvr>
-    <a:masterClrMapping/>
-  </p:clrMapOvr>
-</p:notes>
-</file>
-
-<file path=ppt/notesSlides/notesSlide19.xml><?xml version="1.0" encoding="utf-8"?>
+<file path=ppt/notesSlides/notesSlide15.xml><?xml version="1.0" encoding="utf-8"?>
 <p:notes xmlns:a="http://schemas.openxmlformats.org/drawingml/2006/main" xmlns:r="http://schemas.openxmlformats.org/officeDocument/2006/relationships" xmlns:p="http://schemas.openxmlformats.org/presentationml/2006/main" showMasterSp="0" showMasterPhAnim="0">
   <p:cSld>
     <p:spTree>
@@ -1931,6 +1518,442 @@
     <p:extLst>
       <p:ext uri="{BB962C8B-B14F-4D97-AF65-F5344CB8AC3E}">
         <p14:creationId xmlns:p14="http://schemas.microsoft.com/office/powerpoint/2010/main" val="678613584"/>
+      </p:ext>
+    </p:extLst>
+  </p:cSld>
+  <p:clrMapOvr>
+    <a:masterClrMapping/>
+  </p:clrMapOvr>
+</p:notes>
+</file>
+
+<file path=ppt/notesSlides/notesSlide16.xml><?xml version="1.0" encoding="utf-8"?>
+<p:notes xmlns:a="http://schemas.openxmlformats.org/drawingml/2006/main" xmlns:r="http://schemas.openxmlformats.org/officeDocument/2006/relationships" xmlns:p="http://schemas.openxmlformats.org/presentationml/2006/main" showMasterSp="0" showMasterPhAnim="0">
+  <p:cSld>
+    <p:spTree>
+      <p:nvGrpSpPr>
+        <p:cNvPr id="1" name="Shape 289"/>
+        <p:cNvGrpSpPr/>
+        <p:nvPr/>
+      </p:nvGrpSpPr>
+      <p:grpSpPr>
+        <a:xfrm>
+          <a:off x="0" y="0"/>
+          <a:ext cx="0" cy="0"/>
+          <a:chOff x="0" y="0"/>
+          <a:chExt cx="0" cy="0"/>
+        </a:xfrm>
+      </p:grpSpPr>
+      <p:sp>
+        <p:nvSpPr>
+          <p:cNvPr id="290" name="Google Shape;290;gaf6aa6ea08_0_225:notes"/>
+          <p:cNvSpPr>
+            <a:spLocks noGrp="1" noRot="1" noChangeAspect="1"/>
+          </p:cNvSpPr>
+          <p:nvPr>
+            <p:ph type="sldImg" idx="2"/>
+          </p:nvPr>
+        </p:nvSpPr>
+        <p:spPr>
+          <a:xfrm>
+            <a:off x="381000" y="685800"/>
+            <a:ext cx="6096000" cy="3429000"/>
+          </a:xfrm>
+          <a:custGeom>
+            <a:avLst/>
+            <a:gdLst/>
+            <a:ahLst/>
+            <a:cxnLst/>
+            <a:rect l="l" t="t" r="r" b="b"/>
+            <a:pathLst>
+              <a:path w="120000" h="120000" extrusionOk="0">
+                <a:moveTo>
+                  <a:pt x="0" y="0"/>
+                </a:moveTo>
+                <a:lnTo>
+                  <a:pt x="120000" y="0"/>
+                </a:lnTo>
+                <a:lnTo>
+                  <a:pt x="120000" y="120000"/>
+                </a:lnTo>
+                <a:lnTo>
+                  <a:pt x="0" y="120000"/>
+                </a:lnTo>
+                <a:close/>
+              </a:path>
+            </a:pathLst>
+          </a:custGeom>
+        </p:spPr>
+      </p:sp>
+      <p:sp>
+        <p:nvSpPr>
+          <p:cNvPr id="291" name="Google Shape;291;gaf6aa6ea08_0_225:notes"/>
+          <p:cNvSpPr txBox="1">
+            <a:spLocks noGrp="1"/>
+          </p:cNvSpPr>
+          <p:nvPr>
+            <p:ph type="body" idx="1"/>
+          </p:nvPr>
+        </p:nvSpPr>
+        <p:spPr>
+          <a:xfrm>
+            <a:off x="685800" y="4343400"/>
+            <a:ext cx="5486400" cy="4114800"/>
+          </a:xfrm>
+          <a:prstGeom prst="rect">
+            <a:avLst/>
+          </a:prstGeom>
+        </p:spPr>
+        <p:txBody>
+          <a:bodyPr spcFirstLastPara="1" wrap="square" lIns="91425" tIns="91425" rIns="91425" bIns="91425" anchor="t" anchorCtr="0">
+            <a:noAutofit/>
+          </a:bodyPr>
+          <a:lstStyle/>
+          <a:p>
+            <a:pPr marL="0" lvl="0" indent="0" algn="l" rtl="0">
+              <a:spcBef>
+                <a:spcPts val="0"/>
+              </a:spcBef>
+              <a:spcAft>
+                <a:spcPts val="0"/>
+              </a:spcAft>
+              <a:buNone/>
+            </a:pPr>
+            <a:endParaRPr/>
+          </a:p>
+        </p:txBody>
+      </p:sp>
+    </p:spTree>
+    <p:extLst>
+      <p:ext uri="{BB962C8B-B14F-4D97-AF65-F5344CB8AC3E}">
+        <p14:creationId xmlns:p14="http://schemas.microsoft.com/office/powerpoint/2010/main" val="340271275"/>
+      </p:ext>
+    </p:extLst>
+  </p:cSld>
+  <p:clrMapOvr>
+    <a:masterClrMapping/>
+  </p:clrMapOvr>
+</p:notes>
+</file>
+
+<file path=ppt/notesSlides/notesSlide17.xml><?xml version="1.0" encoding="utf-8"?>
+<p:notes xmlns:a="http://schemas.openxmlformats.org/drawingml/2006/main" xmlns:r="http://schemas.openxmlformats.org/officeDocument/2006/relationships" xmlns:p="http://schemas.openxmlformats.org/presentationml/2006/main" showMasterSp="0" showMasterPhAnim="0">
+  <p:cSld>
+    <p:spTree>
+      <p:nvGrpSpPr>
+        <p:cNvPr id="1" name="Shape 319"/>
+        <p:cNvGrpSpPr/>
+        <p:nvPr/>
+      </p:nvGrpSpPr>
+      <p:grpSpPr>
+        <a:xfrm>
+          <a:off x="0" y="0"/>
+          <a:ext cx="0" cy="0"/>
+          <a:chOff x="0" y="0"/>
+          <a:chExt cx="0" cy="0"/>
+        </a:xfrm>
+      </p:grpSpPr>
+      <p:sp>
+        <p:nvSpPr>
+          <p:cNvPr id="320" name="Google Shape;320;gaf6aa6ea08_0_184:notes"/>
+          <p:cNvSpPr>
+            <a:spLocks noGrp="1" noRot="1" noChangeAspect="1"/>
+          </p:cNvSpPr>
+          <p:nvPr>
+            <p:ph type="sldImg" idx="2"/>
+          </p:nvPr>
+        </p:nvSpPr>
+        <p:spPr>
+          <a:xfrm>
+            <a:off x="381300" y="685800"/>
+            <a:ext cx="6096000" cy="3429000"/>
+          </a:xfrm>
+          <a:custGeom>
+            <a:avLst/>
+            <a:gdLst/>
+            <a:ahLst/>
+            <a:cxnLst/>
+            <a:rect l="l" t="t" r="r" b="b"/>
+            <a:pathLst>
+              <a:path w="120000" h="120000" extrusionOk="0">
+                <a:moveTo>
+                  <a:pt x="0" y="0"/>
+                </a:moveTo>
+                <a:lnTo>
+                  <a:pt x="120000" y="0"/>
+                </a:lnTo>
+                <a:lnTo>
+                  <a:pt x="120000" y="120000"/>
+                </a:lnTo>
+                <a:lnTo>
+                  <a:pt x="0" y="120000"/>
+                </a:lnTo>
+                <a:close/>
+              </a:path>
+            </a:pathLst>
+          </a:custGeom>
+        </p:spPr>
+      </p:sp>
+      <p:sp>
+        <p:nvSpPr>
+          <p:cNvPr id="321" name="Google Shape;321;gaf6aa6ea08_0_184:notes"/>
+          <p:cNvSpPr txBox="1">
+            <a:spLocks noGrp="1"/>
+          </p:cNvSpPr>
+          <p:nvPr>
+            <p:ph type="body" idx="1"/>
+          </p:nvPr>
+        </p:nvSpPr>
+        <p:spPr>
+          <a:xfrm>
+            <a:off x="685800" y="4343400"/>
+            <a:ext cx="5486400" cy="4114800"/>
+          </a:xfrm>
+          <a:prstGeom prst="rect">
+            <a:avLst/>
+          </a:prstGeom>
+        </p:spPr>
+        <p:txBody>
+          <a:bodyPr spcFirstLastPara="1" wrap="square" lIns="91425" tIns="91425" rIns="91425" bIns="91425" anchor="t" anchorCtr="0">
+            <a:noAutofit/>
+          </a:bodyPr>
+          <a:lstStyle/>
+          <a:p>
+            <a:pPr marL="0" lvl="0" indent="0" algn="l" rtl="0">
+              <a:spcBef>
+                <a:spcPts val="0"/>
+              </a:spcBef>
+              <a:spcAft>
+                <a:spcPts val="0"/>
+              </a:spcAft>
+              <a:buNone/>
+            </a:pPr>
+            <a:endParaRPr/>
+          </a:p>
+        </p:txBody>
+      </p:sp>
+    </p:spTree>
+    <p:extLst>
+      <p:ext uri="{BB962C8B-B14F-4D97-AF65-F5344CB8AC3E}">
+        <p14:creationId xmlns:p14="http://schemas.microsoft.com/office/powerpoint/2010/main" val="746909221"/>
+      </p:ext>
+    </p:extLst>
+  </p:cSld>
+  <p:clrMapOvr>
+    <a:masterClrMapping/>
+  </p:clrMapOvr>
+</p:notes>
+</file>
+
+<file path=ppt/notesSlides/notesSlide18.xml><?xml version="1.0" encoding="utf-8"?>
+<p:notes xmlns:a="http://schemas.openxmlformats.org/drawingml/2006/main" xmlns:r="http://schemas.openxmlformats.org/officeDocument/2006/relationships" xmlns:p="http://schemas.openxmlformats.org/presentationml/2006/main" showMasterSp="0" showMasterPhAnim="0">
+  <p:cSld>
+    <p:spTree>
+      <p:nvGrpSpPr>
+        <p:cNvPr id="1" name="Shape 325"/>
+        <p:cNvGrpSpPr/>
+        <p:nvPr/>
+      </p:nvGrpSpPr>
+      <p:grpSpPr>
+        <a:xfrm>
+          <a:off x="0" y="0"/>
+          <a:ext cx="0" cy="0"/>
+          <a:chOff x="0" y="0"/>
+          <a:chExt cx="0" cy="0"/>
+        </a:xfrm>
+      </p:grpSpPr>
+      <p:sp>
+        <p:nvSpPr>
+          <p:cNvPr id="326" name="Google Shape;326;g34204d2b13_0_341:notes"/>
+          <p:cNvSpPr>
+            <a:spLocks noGrp="1" noRot="1" noChangeAspect="1"/>
+          </p:cNvSpPr>
+          <p:nvPr>
+            <p:ph type="sldImg" idx="2"/>
+          </p:nvPr>
+        </p:nvSpPr>
+        <p:spPr>
+          <a:xfrm>
+            <a:off x="381300" y="685800"/>
+            <a:ext cx="6096000" cy="3429000"/>
+          </a:xfrm>
+          <a:custGeom>
+            <a:avLst/>
+            <a:gdLst/>
+            <a:ahLst/>
+            <a:cxnLst/>
+            <a:rect l="l" t="t" r="r" b="b"/>
+            <a:pathLst>
+              <a:path w="120000" h="120000" extrusionOk="0">
+                <a:moveTo>
+                  <a:pt x="0" y="0"/>
+                </a:moveTo>
+                <a:lnTo>
+                  <a:pt x="120000" y="0"/>
+                </a:lnTo>
+                <a:lnTo>
+                  <a:pt x="120000" y="120000"/>
+                </a:lnTo>
+                <a:lnTo>
+                  <a:pt x="0" y="120000"/>
+                </a:lnTo>
+                <a:close/>
+              </a:path>
+            </a:pathLst>
+          </a:custGeom>
+        </p:spPr>
+      </p:sp>
+      <p:sp>
+        <p:nvSpPr>
+          <p:cNvPr id="327" name="Google Shape;327;g34204d2b13_0_341:notes"/>
+          <p:cNvSpPr txBox="1">
+            <a:spLocks noGrp="1"/>
+          </p:cNvSpPr>
+          <p:nvPr>
+            <p:ph type="body" idx="1"/>
+          </p:nvPr>
+        </p:nvSpPr>
+        <p:spPr>
+          <a:xfrm>
+            <a:off x="685800" y="4343400"/>
+            <a:ext cx="5486400" cy="4114800"/>
+          </a:xfrm>
+          <a:prstGeom prst="rect">
+            <a:avLst/>
+          </a:prstGeom>
+        </p:spPr>
+        <p:txBody>
+          <a:bodyPr spcFirstLastPara="1" wrap="square" lIns="91425" tIns="91425" rIns="91425" bIns="91425" anchor="t" anchorCtr="0">
+            <a:noAutofit/>
+          </a:bodyPr>
+          <a:lstStyle/>
+          <a:p>
+            <a:pPr marL="0" lvl="0" indent="0" algn="l" rtl="0">
+              <a:spcBef>
+                <a:spcPts val="0"/>
+              </a:spcBef>
+              <a:spcAft>
+                <a:spcPts val="0"/>
+              </a:spcAft>
+              <a:buNone/>
+            </a:pPr>
+            <a:endParaRPr/>
+          </a:p>
+        </p:txBody>
+      </p:sp>
+    </p:spTree>
+    <p:extLst>
+      <p:ext uri="{BB962C8B-B14F-4D97-AF65-F5344CB8AC3E}">
+        <p14:creationId xmlns:p14="http://schemas.microsoft.com/office/powerpoint/2010/main" val="1480503898"/>
+      </p:ext>
+    </p:extLst>
+  </p:cSld>
+  <p:clrMapOvr>
+    <a:masterClrMapping/>
+  </p:clrMapOvr>
+</p:notes>
+</file>
+
+<file path=ppt/notesSlides/notesSlide19.xml><?xml version="1.0" encoding="utf-8"?>
+<p:notes xmlns:a="http://schemas.openxmlformats.org/drawingml/2006/main" xmlns:r="http://schemas.openxmlformats.org/officeDocument/2006/relationships" xmlns:p="http://schemas.openxmlformats.org/presentationml/2006/main" showMasterSp="0" showMasterPhAnim="0">
+  <p:cSld>
+    <p:spTree>
+      <p:nvGrpSpPr>
+        <p:cNvPr id="1" name="Shape 331"/>
+        <p:cNvGrpSpPr/>
+        <p:nvPr/>
+      </p:nvGrpSpPr>
+      <p:grpSpPr>
+        <a:xfrm>
+          <a:off x="0" y="0"/>
+          <a:ext cx="0" cy="0"/>
+          <a:chOff x="0" y="0"/>
+          <a:chExt cx="0" cy="0"/>
+        </a:xfrm>
+      </p:grpSpPr>
+      <p:sp>
+        <p:nvSpPr>
+          <p:cNvPr id="332" name="Google Shape;332;g34204d2b13_0_346:notes"/>
+          <p:cNvSpPr>
+            <a:spLocks noGrp="1" noRot="1" noChangeAspect="1"/>
+          </p:cNvSpPr>
+          <p:nvPr>
+            <p:ph type="sldImg" idx="2"/>
+          </p:nvPr>
+        </p:nvSpPr>
+        <p:spPr>
+          <a:xfrm>
+            <a:off x="381300" y="685800"/>
+            <a:ext cx="6096000" cy="3429000"/>
+          </a:xfrm>
+          <a:custGeom>
+            <a:avLst/>
+            <a:gdLst/>
+            <a:ahLst/>
+            <a:cxnLst/>
+            <a:rect l="l" t="t" r="r" b="b"/>
+            <a:pathLst>
+              <a:path w="120000" h="120000" extrusionOk="0">
+                <a:moveTo>
+                  <a:pt x="0" y="0"/>
+                </a:moveTo>
+                <a:lnTo>
+                  <a:pt x="120000" y="0"/>
+                </a:lnTo>
+                <a:lnTo>
+                  <a:pt x="120000" y="120000"/>
+                </a:lnTo>
+                <a:lnTo>
+                  <a:pt x="0" y="120000"/>
+                </a:lnTo>
+                <a:close/>
+              </a:path>
+            </a:pathLst>
+          </a:custGeom>
+        </p:spPr>
+      </p:sp>
+      <p:sp>
+        <p:nvSpPr>
+          <p:cNvPr id="333" name="Google Shape;333;g34204d2b13_0_346:notes"/>
+          <p:cNvSpPr txBox="1">
+            <a:spLocks noGrp="1"/>
+          </p:cNvSpPr>
+          <p:nvPr>
+            <p:ph type="body" idx="1"/>
+          </p:nvPr>
+        </p:nvSpPr>
+        <p:spPr>
+          <a:xfrm>
+            <a:off x="685800" y="4343400"/>
+            <a:ext cx="5486400" cy="4114800"/>
+          </a:xfrm>
+          <a:prstGeom prst="rect">
+            <a:avLst/>
+          </a:prstGeom>
+        </p:spPr>
+        <p:txBody>
+          <a:bodyPr spcFirstLastPara="1" wrap="square" lIns="91425" tIns="91425" rIns="91425" bIns="91425" anchor="t" anchorCtr="0">
+            <a:noAutofit/>
+          </a:bodyPr>
+          <a:lstStyle/>
+          <a:p>
+            <a:pPr marL="0" lvl="0" indent="0" algn="l" rtl="0">
+              <a:spcBef>
+                <a:spcPts val="0"/>
+              </a:spcBef>
+              <a:spcAft>
+                <a:spcPts val="0"/>
+              </a:spcAft>
+              <a:buNone/>
+            </a:pPr>
+            <a:endParaRPr/>
+          </a:p>
+        </p:txBody>
+      </p:sp>
+    </p:spTree>
+    <p:extLst>
+      <p:ext uri="{BB962C8B-B14F-4D97-AF65-F5344CB8AC3E}">
+        <p14:creationId xmlns:p14="http://schemas.microsoft.com/office/powerpoint/2010/main" val="2498385926"/>
       </p:ext>
     </p:extLst>
   </p:cSld>
@@ -2040,878 +2063,6 @@
     <p:extLst>
       <p:ext uri="{BB962C8B-B14F-4D97-AF65-F5344CB8AC3E}">
         <p14:creationId xmlns:p14="http://schemas.microsoft.com/office/powerpoint/2010/main" val="2097772978"/>
-      </p:ext>
-    </p:extLst>
-  </p:cSld>
-  <p:clrMapOvr>
-    <a:masterClrMapping/>
-  </p:clrMapOvr>
-</p:notes>
-</file>
-
-<file path=ppt/notesSlides/notesSlide20.xml><?xml version="1.0" encoding="utf-8"?>
-<p:notes xmlns:a="http://schemas.openxmlformats.org/drawingml/2006/main" xmlns:r="http://schemas.openxmlformats.org/officeDocument/2006/relationships" xmlns:p="http://schemas.openxmlformats.org/presentationml/2006/main" showMasterSp="0" showMasterPhAnim="0">
-  <p:cSld>
-    <p:spTree>
-      <p:nvGrpSpPr>
-        <p:cNvPr id="1" name="Shape 289"/>
-        <p:cNvGrpSpPr/>
-        <p:nvPr/>
-      </p:nvGrpSpPr>
-      <p:grpSpPr>
-        <a:xfrm>
-          <a:off x="0" y="0"/>
-          <a:ext cx="0" cy="0"/>
-          <a:chOff x="0" y="0"/>
-          <a:chExt cx="0" cy="0"/>
-        </a:xfrm>
-      </p:grpSpPr>
-      <p:sp>
-        <p:nvSpPr>
-          <p:cNvPr id="290" name="Google Shape;290;gaf6aa6ea08_0_225:notes"/>
-          <p:cNvSpPr>
-            <a:spLocks noGrp="1" noRot="1" noChangeAspect="1"/>
-          </p:cNvSpPr>
-          <p:nvPr>
-            <p:ph type="sldImg" idx="2"/>
-          </p:nvPr>
-        </p:nvSpPr>
-        <p:spPr>
-          <a:xfrm>
-            <a:off x="381300" y="685800"/>
-            <a:ext cx="6096000" cy="3429000"/>
-          </a:xfrm>
-          <a:custGeom>
-            <a:avLst/>
-            <a:gdLst/>
-            <a:ahLst/>
-            <a:cxnLst/>
-            <a:rect l="l" t="t" r="r" b="b"/>
-            <a:pathLst>
-              <a:path w="120000" h="120000" extrusionOk="0">
-                <a:moveTo>
-                  <a:pt x="0" y="0"/>
-                </a:moveTo>
-                <a:lnTo>
-                  <a:pt x="120000" y="0"/>
-                </a:lnTo>
-                <a:lnTo>
-                  <a:pt x="120000" y="120000"/>
-                </a:lnTo>
-                <a:lnTo>
-                  <a:pt x="0" y="120000"/>
-                </a:lnTo>
-                <a:close/>
-              </a:path>
-            </a:pathLst>
-          </a:custGeom>
-        </p:spPr>
-      </p:sp>
-      <p:sp>
-        <p:nvSpPr>
-          <p:cNvPr id="291" name="Google Shape;291;gaf6aa6ea08_0_225:notes"/>
-          <p:cNvSpPr txBox="1">
-            <a:spLocks noGrp="1"/>
-          </p:cNvSpPr>
-          <p:nvPr>
-            <p:ph type="body" idx="1"/>
-          </p:nvPr>
-        </p:nvSpPr>
-        <p:spPr>
-          <a:xfrm>
-            <a:off x="685800" y="4343400"/>
-            <a:ext cx="5486400" cy="4114800"/>
-          </a:xfrm>
-          <a:prstGeom prst="rect">
-            <a:avLst/>
-          </a:prstGeom>
-        </p:spPr>
-        <p:txBody>
-          <a:bodyPr spcFirstLastPara="1" wrap="square" lIns="91425" tIns="91425" rIns="91425" bIns="91425" anchor="t" anchorCtr="0">
-            <a:noAutofit/>
-          </a:bodyPr>
-          <a:lstStyle/>
-          <a:p>
-            <a:pPr marL="0" lvl="0" indent="0" algn="l" rtl="0">
-              <a:spcBef>
-                <a:spcPts val="0"/>
-              </a:spcBef>
-              <a:spcAft>
-                <a:spcPts val="0"/>
-              </a:spcAft>
-              <a:buNone/>
-            </a:pPr>
-            <a:endParaRPr/>
-          </a:p>
-        </p:txBody>
-      </p:sp>
-    </p:spTree>
-    <p:extLst>
-      <p:ext uri="{BB962C8B-B14F-4D97-AF65-F5344CB8AC3E}">
-        <p14:creationId xmlns:p14="http://schemas.microsoft.com/office/powerpoint/2010/main" val="340271275"/>
-      </p:ext>
-    </p:extLst>
-  </p:cSld>
-  <p:clrMapOvr>
-    <a:masterClrMapping/>
-  </p:clrMapOvr>
-</p:notes>
-</file>
-
-<file path=ppt/notesSlides/notesSlide21.xml><?xml version="1.0" encoding="utf-8"?>
-<p:notes xmlns:a="http://schemas.openxmlformats.org/drawingml/2006/main" xmlns:r="http://schemas.openxmlformats.org/officeDocument/2006/relationships" xmlns:p="http://schemas.openxmlformats.org/presentationml/2006/main" showMasterSp="0" showMasterPhAnim="0">
-  <p:cSld>
-    <p:spTree>
-      <p:nvGrpSpPr>
-        <p:cNvPr id="1" name="Shape 295"/>
-        <p:cNvGrpSpPr/>
-        <p:nvPr/>
-      </p:nvGrpSpPr>
-      <p:grpSpPr>
-        <a:xfrm>
-          <a:off x="0" y="0"/>
-          <a:ext cx="0" cy="0"/>
-          <a:chOff x="0" y="0"/>
-          <a:chExt cx="0" cy="0"/>
-        </a:xfrm>
-      </p:grpSpPr>
-      <p:sp>
-        <p:nvSpPr>
-          <p:cNvPr id="296" name="Google Shape;296;gaf6aa6ea08_0_28:notes"/>
-          <p:cNvSpPr>
-            <a:spLocks noGrp="1" noRot="1" noChangeAspect="1"/>
-          </p:cNvSpPr>
-          <p:nvPr>
-            <p:ph type="sldImg" idx="2"/>
-          </p:nvPr>
-        </p:nvSpPr>
-        <p:spPr>
-          <a:xfrm>
-            <a:off x="381300" y="685800"/>
-            <a:ext cx="6096000" cy="3429000"/>
-          </a:xfrm>
-          <a:custGeom>
-            <a:avLst/>
-            <a:gdLst/>
-            <a:ahLst/>
-            <a:cxnLst/>
-            <a:rect l="l" t="t" r="r" b="b"/>
-            <a:pathLst>
-              <a:path w="120000" h="120000" extrusionOk="0">
-                <a:moveTo>
-                  <a:pt x="0" y="0"/>
-                </a:moveTo>
-                <a:lnTo>
-                  <a:pt x="120000" y="0"/>
-                </a:lnTo>
-                <a:lnTo>
-                  <a:pt x="120000" y="120000"/>
-                </a:lnTo>
-                <a:lnTo>
-                  <a:pt x="0" y="120000"/>
-                </a:lnTo>
-                <a:close/>
-              </a:path>
-            </a:pathLst>
-          </a:custGeom>
-        </p:spPr>
-      </p:sp>
-      <p:sp>
-        <p:nvSpPr>
-          <p:cNvPr id="297" name="Google Shape;297;gaf6aa6ea08_0_28:notes"/>
-          <p:cNvSpPr txBox="1">
-            <a:spLocks noGrp="1"/>
-          </p:cNvSpPr>
-          <p:nvPr>
-            <p:ph type="body" idx="1"/>
-          </p:nvPr>
-        </p:nvSpPr>
-        <p:spPr>
-          <a:xfrm>
-            <a:off x="685800" y="4343400"/>
-            <a:ext cx="5486400" cy="4114800"/>
-          </a:xfrm>
-          <a:prstGeom prst="rect">
-            <a:avLst/>
-          </a:prstGeom>
-        </p:spPr>
-        <p:txBody>
-          <a:bodyPr spcFirstLastPara="1" wrap="square" lIns="91425" tIns="91425" rIns="91425" bIns="91425" anchor="t" anchorCtr="0">
-            <a:noAutofit/>
-          </a:bodyPr>
-          <a:lstStyle/>
-          <a:p>
-            <a:pPr marL="0" lvl="0" indent="0" algn="l" rtl="0">
-              <a:spcBef>
-                <a:spcPts val="0"/>
-              </a:spcBef>
-              <a:spcAft>
-                <a:spcPts val="0"/>
-              </a:spcAft>
-              <a:buNone/>
-            </a:pPr>
-            <a:endParaRPr/>
-          </a:p>
-        </p:txBody>
-      </p:sp>
-    </p:spTree>
-    <p:extLst>
-      <p:ext uri="{BB962C8B-B14F-4D97-AF65-F5344CB8AC3E}">
-        <p14:creationId xmlns:p14="http://schemas.microsoft.com/office/powerpoint/2010/main" val="2895983521"/>
-      </p:ext>
-    </p:extLst>
-  </p:cSld>
-  <p:clrMapOvr>
-    <a:masterClrMapping/>
-  </p:clrMapOvr>
-</p:notes>
-</file>
-
-<file path=ppt/notesSlides/notesSlide22.xml><?xml version="1.0" encoding="utf-8"?>
-<p:notes xmlns:a="http://schemas.openxmlformats.org/drawingml/2006/main" xmlns:r="http://schemas.openxmlformats.org/officeDocument/2006/relationships" xmlns:p="http://schemas.openxmlformats.org/presentationml/2006/main" showMasterSp="0" showMasterPhAnim="0">
-  <p:cSld>
-    <p:spTree>
-      <p:nvGrpSpPr>
-        <p:cNvPr id="1" name="Shape 301"/>
-        <p:cNvGrpSpPr/>
-        <p:nvPr/>
-      </p:nvGrpSpPr>
-      <p:grpSpPr>
-        <a:xfrm>
-          <a:off x="0" y="0"/>
-          <a:ext cx="0" cy="0"/>
-          <a:chOff x="0" y="0"/>
-          <a:chExt cx="0" cy="0"/>
-        </a:xfrm>
-      </p:grpSpPr>
-      <p:sp>
-        <p:nvSpPr>
-          <p:cNvPr id="302" name="Google Shape;302;gaf6aa6ea08_0_161:notes"/>
-          <p:cNvSpPr>
-            <a:spLocks noGrp="1" noRot="1" noChangeAspect="1"/>
-          </p:cNvSpPr>
-          <p:nvPr>
-            <p:ph type="sldImg" idx="2"/>
-          </p:nvPr>
-        </p:nvSpPr>
-        <p:spPr>
-          <a:xfrm>
-            <a:off x="381300" y="685800"/>
-            <a:ext cx="6096000" cy="3429000"/>
-          </a:xfrm>
-          <a:custGeom>
-            <a:avLst/>
-            <a:gdLst/>
-            <a:ahLst/>
-            <a:cxnLst/>
-            <a:rect l="l" t="t" r="r" b="b"/>
-            <a:pathLst>
-              <a:path w="120000" h="120000" extrusionOk="0">
-                <a:moveTo>
-                  <a:pt x="0" y="0"/>
-                </a:moveTo>
-                <a:lnTo>
-                  <a:pt x="120000" y="0"/>
-                </a:lnTo>
-                <a:lnTo>
-                  <a:pt x="120000" y="120000"/>
-                </a:lnTo>
-                <a:lnTo>
-                  <a:pt x="0" y="120000"/>
-                </a:lnTo>
-                <a:close/>
-              </a:path>
-            </a:pathLst>
-          </a:custGeom>
-        </p:spPr>
-      </p:sp>
-      <p:sp>
-        <p:nvSpPr>
-          <p:cNvPr id="303" name="Google Shape;303;gaf6aa6ea08_0_161:notes"/>
-          <p:cNvSpPr txBox="1">
-            <a:spLocks noGrp="1"/>
-          </p:cNvSpPr>
-          <p:nvPr>
-            <p:ph type="body" idx="1"/>
-          </p:nvPr>
-        </p:nvSpPr>
-        <p:spPr>
-          <a:xfrm>
-            <a:off x="685800" y="4343400"/>
-            <a:ext cx="5486400" cy="4114800"/>
-          </a:xfrm>
-          <a:prstGeom prst="rect">
-            <a:avLst/>
-          </a:prstGeom>
-        </p:spPr>
-        <p:txBody>
-          <a:bodyPr spcFirstLastPara="1" wrap="square" lIns="91425" tIns="91425" rIns="91425" bIns="91425" anchor="t" anchorCtr="0">
-            <a:noAutofit/>
-          </a:bodyPr>
-          <a:lstStyle/>
-          <a:p>
-            <a:pPr marL="0" lvl="0" indent="0" algn="l" rtl="0">
-              <a:spcBef>
-                <a:spcPts val="0"/>
-              </a:spcBef>
-              <a:spcAft>
-                <a:spcPts val="0"/>
-              </a:spcAft>
-              <a:buNone/>
-            </a:pPr>
-            <a:endParaRPr/>
-          </a:p>
-        </p:txBody>
-      </p:sp>
-    </p:spTree>
-    <p:extLst>
-      <p:ext uri="{BB962C8B-B14F-4D97-AF65-F5344CB8AC3E}">
-        <p14:creationId xmlns:p14="http://schemas.microsoft.com/office/powerpoint/2010/main" val="3306459292"/>
-      </p:ext>
-    </p:extLst>
-  </p:cSld>
-  <p:clrMapOvr>
-    <a:masterClrMapping/>
-  </p:clrMapOvr>
-</p:notes>
-</file>
-
-<file path=ppt/notesSlides/notesSlide23.xml><?xml version="1.0" encoding="utf-8"?>
-<p:notes xmlns:a="http://schemas.openxmlformats.org/drawingml/2006/main" xmlns:r="http://schemas.openxmlformats.org/officeDocument/2006/relationships" xmlns:p="http://schemas.openxmlformats.org/presentationml/2006/main" showMasterSp="0" showMasterPhAnim="0">
-  <p:cSld>
-    <p:spTree>
-      <p:nvGrpSpPr>
-        <p:cNvPr id="1" name="Shape 307"/>
-        <p:cNvGrpSpPr/>
-        <p:nvPr/>
-      </p:nvGrpSpPr>
-      <p:grpSpPr>
-        <a:xfrm>
-          <a:off x="0" y="0"/>
-          <a:ext cx="0" cy="0"/>
-          <a:chOff x="0" y="0"/>
-          <a:chExt cx="0" cy="0"/>
-        </a:xfrm>
-      </p:grpSpPr>
-      <p:sp>
-        <p:nvSpPr>
-          <p:cNvPr id="308" name="Google Shape;308;gaf6aa6ea08_0_166:notes"/>
-          <p:cNvSpPr>
-            <a:spLocks noGrp="1" noRot="1" noChangeAspect="1"/>
-          </p:cNvSpPr>
-          <p:nvPr>
-            <p:ph type="sldImg" idx="2"/>
-          </p:nvPr>
-        </p:nvSpPr>
-        <p:spPr>
-          <a:xfrm>
-            <a:off x="381300" y="685800"/>
-            <a:ext cx="6096000" cy="3429000"/>
-          </a:xfrm>
-          <a:custGeom>
-            <a:avLst/>
-            <a:gdLst/>
-            <a:ahLst/>
-            <a:cxnLst/>
-            <a:rect l="l" t="t" r="r" b="b"/>
-            <a:pathLst>
-              <a:path w="120000" h="120000" extrusionOk="0">
-                <a:moveTo>
-                  <a:pt x="0" y="0"/>
-                </a:moveTo>
-                <a:lnTo>
-                  <a:pt x="120000" y="0"/>
-                </a:lnTo>
-                <a:lnTo>
-                  <a:pt x="120000" y="120000"/>
-                </a:lnTo>
-                <a:lnTo>
-                  <a:pt x="0" y="120000"/>
-                </a:lnTo>
-                <a:close/>
-              </a:path>
-            </a:pathLst>
-          </a:custGeom>
-        </p:spPr>
-      </p:sp>
-      <p:sp>
-        <p:nvSpPr>
-          <p:cNvPr id="309" name="Google Shape;309;gaf6aa6ea08_0_166:notes"/>
-          <p:cNvSpPr txBox="1">
-            <a:spLocks noGrp="1"/>
-          </p:cNvSpPr>
-          <p:nvPr>
-            <p:ph type="body" idx="1"/>
-          </p:nvPr>
-        </p:nvSpPr>
-        <p:spPr>
-          <a:xfrm>
-            <a:off x="685800" y="4343400"/>
-            <a:ext cx="5486400" cy="4114800"/>
-          </a:xfrm>
-          <a:prstGeom prst="rect">
-            <a:avLst/>
-          </a:prstGeom>
-        </p:spPr>
-        <p:txBody>
-          <a:bodyPr spcFirstLastPara="1" wrap="square" lIns="91425" tIns="91425" rIns="91425" bIns="91425" anchor="t" anchorCtr="0">
-            <a:noAutofit/>
-          </a:bodyPr>
-          <a:lstStyle/>
-          <a:p>
-            <a:pPr marL="0" lvl="0" indent="0" algn="l" rtl="0">
-              <a:spcBef>
-                <a:spcPts val="0"/>
-              </a:spcBef>
-              <a:spcAft>
-                <a:spcPts val="0"/>
-              </a:spcAft>
-              <a:buNone/>
-            </a:pPr>
-            <a:endParaRPr/>
-          </a:p>
-        </p:txBody>
-      </p:sp>
-    </p:spTree>
-    <p:extLst>
-      <p:ext uri="{BB962C8B-B14F-4D97-AF65-F5344CB8AC3E}">
-        <p14:creationId xmlns:p14="http://schemas.microsoft.com/office/powerpoint/2010/main" val="1711759792"/>
-      </p:ext>
-    </p:extLst>
-  </p:cSld>
-  <p:clrMapOvr>
-    <a:masterClrMapping/>
-  </p:clrMapOvr>
-</p:notes>
-</file>
-
-<file path=ppt/notesSlides/notesSlide24.xml><?xml version="1.0" encoding="utf-8"?>
-<p:notes xmlns:a="http://schemas.openxmlformats.org/drawingml/2006/main" xmlns:r="http://schemas.openxmlformats.org/officeDocument/2006/relationships" xmlns:p="http://schemas.openxmlformats.org/presentationml/2006/main" showMasterSp="0" showMasterPhAnim="0">
-  <p:cSld>
-    <p:spTree>
-      <p:nvGrpSpPr>
-        <p:cNvPr id="1" name="Shape 313"/>
-        <p:cNvGrpSpPr/>
-        <p:nvPr/>
-      </p:nvGrpSpPr>
-      <p:grpSpPr>
-        <a:xfrm>
-          <a:off x="0" y="0"/>
-          <a:ext cx="0" cy="0"/>
-          <a:chOff x="0" y="0"/>
-          <a:chExt cx="0" cy="0"/>
-        </a:xfrm>
-      </p:grpSpPr>
-      <p:sp>
-        <p:nvSpPr>
-          <p:cNvPr id="314" name="Google Shape;314;gaf6aa6ea08_0_171:notes"/>
-          <p:cNvSpPr>
-            <a:spLocks noGrp="1" noRot="1" noChangeAspect="1"/>
-          </p:cNvSpPr>
-          <p:nvPr>
-            <p:ph type="sldImg" idx="2"/>
-          </p:nvPr>
-        </p:nvSpPr>
-        <p:spPr>
-          <a:xfrm>
-            <a:off x="381300" y="685800"/>
-            <a:ext cx="6096000" cy="3429000"/>
-          </a:xfrm>
-          <a:custGeom>
-            <a:avLst/>
-            <a:gdLst/>
-            <a:ahLst/>
-            <a:cxnLst/>
-            <a:rect l="l" t="t" r="r" b="b"/>
-            <a:pathLst>
-              <a:path w="120000" h="120000" extrusionOk="0">
-                <a:moveTo>
-                  <a:pt x="0" y="0"/>
-                </a:moveTo>
-                <a:lnTo>
-                  <a:pt x="120000" y="0"/>
-                </a:lnTo>
-                <a:lnTo>
-                  <a:pt x="120000" y="120000"/>
-                </a:lnTo>
-                <a:lnTo>
-                  <a:pt x="0" y="120000"/>
-                </a:lnTo>
-                <a:close/>
-              </a:path>
-            </a:pathLst>
-          </a:custGeom>
-        </p:spPr>
-      </p:sp>
-      <p:sp>
-        <p:nvSpPr>
-          <p:cNvPr id="315" name="Google Shape;315;gaf6aa6ea08_0_171:notes"/>
-          <p:cNvSpPr txBox="1">
-            <a:spLocks noGrp="1"/>
-          </p:cNvSpPr>
-          <p:nvPr>
-            <p:ph type="body" idx="1"/>
-          </p:nvPr>
-        </p:nvSpPr>
-        <p:spPr>
-          <a:xfrm>
-            <a:off x="685800" y="4343400"/>
-            <a:ext cx="5486400" cy="4114800"/>
-          </a:xfrm>
-          <a:prstGeom prst="rect">
-            <a:avLst/>
-          </a:prstGeom>
-        </p:spPr>
-        <p:txBody>
-          <a:bodyPr spcFirstLastPara="1" wrap="square" lIns="91425" tIns="91425" rIns="91425" bIns="91425" anchor="t" anchorCtr="0">
-            <a:noAutofit/>
-          </a:bodyPr>
-          <a:lstStyle/>
-          <a:p>
-            <a:pPr marL="0" lvl="0" indent="0" algn="l" rtl="0">
-              <a:spcBef>
-                <a:spcPts val="0"/>
-              </a:spcBef>
-              <a:spcAft>
-                <a:spcPts val="0"/>
-              </a:spcAft>
-              <a:buNone/>
-            </a:pPr>
-            <a:endParaRPr/>
-          </a:p>
-        </p:txBody>
-      </p:sp>
-    </p:spTree>
-    <p:extLst>
-      <p:ext uri="{BB962C8B-B14F-4D97-AF65-F5344CB8AC3E}">
-        <p14:creationId xmlns:p14="http://schemas.microsoft.com/office/powerpoint/2010/main" val="3018641636"/>
-      </p:ext>
-    </p:extLst>
-  </p:cSld>
-  <p:clrMapOvr>
-    <a:masterClrMapping/>
-  </p:clrMapOvr>
-</p:notes>
-</file>
-
-<file path=ppt/notesSlides/notesSlide25.xml><?xml version="1.0" encoding="utf-8"?>
-<p:notes xmlns:a="http://schemas.openxmlformats.org/drawingml/2006/main" xmlns:r="http://schemas.openxmlformats.org/officeDocument/2006/relationships" xmlns:p="http://schemas.openxmlformats.org/presentationml/2006/main" showMasterSp="0" showMasterPhAnim="0">
-  <p:cSld>
-    <p:spTree>
-      <p:nvGrpSpPr>
-        <p:cNvPr id="1" name="Shape 319"/>
-        <p:cNvGrpSpPr/>
-        <p:nvPr/>
-      </p:nvGrpSpPr>
-      <p:grpSpPr>
-        <a:xfrm>
-          <a:off x="0" y="0"/>
-          <a:ext cx="0" cy="0"/>
-          <a:chOff x="0" y="0"/>
-          <a:chExt cx="0" cy="0"/>
-        </a:xfrm>
-      </p:grpSpPr>
-      <p:sp>
-        <p:nvSpPr>
-          <p:cNvPr id="320" name="Google Shape;320;gaf6aa6ea08_0_184:notes"/>
-          <p:cNvSpPr>
-            <a:spLocks noGrp="1" noRot="1" noChangeAspect="1"/>
-          </p:cNvSpPr>
-          <p:nvPr>
-            <p:ph type="sldImg" idx="2"/>
-          </p:nvPr>
-        </p:nvSpPr>
-        <p:spPr>
-          <a:xfrm>
-            <a:off x="381300" y="685800"/>
-            <a:ext cx="6096000" cy="3429000"/>
-          </a:xfrm>
-          <a:custGeom>
-            <a:avLst/>
-            <a:gdLst/>
-            <a:ahLst/>
-            <a:cxnLst/>
-            <a:rect l="l" t="t" r="r" b="b"/>
-            <a:pathLst>
-              <a:path w="120000" h="120000" extrusionOk="0">
-                <a:moveTo>
-                  <a:pt x="0" y="0"/>
-                </a:moveTo>
-                <a:lnTo>
-                  <a:pt x="120000" y="0"/>
-                </a:lnTo>
-                <a:lnTo>
-                  <a:pt x="120000" y="120000"/>
-                </a:lnTo>
-                <a:lnTo>
-                  <a:pt x="0" y="120000"/>
-                </a:lnTo>
-                <a:close/>
-              </a:path>
-            </a:pathLst>
-          </a:custGeom>
-        </p:spPr>
-      </p:sp>
-      <p:sp>
-        <p:nvSpPr>
-          <p:cNvPr id="321" name="Google Shape;321;gaf6aa6ea08_0_184:notes"/>
-          <p:cNvSpPr txBox="1">
-            <a:spLocks noGrp="1"/>
-          </p:cNvSpPr>
-          <p:nvPr>
-            <p:ph type="body" idx="1"/>
-          </p:nvPr>
-        </p:nvSpPr>
-        <p:spPr>
-          <a:xfrm>
-            <a:off x="685800" y="4343400"/>
-            <a:ext cx="5486400" cy="4114800"/>
-          </a:xfrm>
-          <a:prstGeom prst="rect">
-            <a:avLst/>
-          </a:prstGeom>
-        </p:spPr>
-        <p:txBody>
-          <a:bodyPr spcFirstLastPara="1" wrap="square" lIns="91425" tIns="91425" rIns="91425" bIns="91425" anchor="t" anchorCtr="0">
-            <a:noAutofit/>
-          </a:bodyPr>
-          <a:lstStyle/>
-          <a:p>
-            <a:pPr marL="0" lvl="0" indent="0" algn="l" rtl="0">
-              <a:spcBef>
-                <a:spcPts val="0"/>
-              </a:spcBef>
-              <a:spcAft>
-                <a:spcPts val="0"/>
-              </a:spcAft>
-              <a:buNone/>
-            </a:pPr>
-            <a:endParaRPr/>
-          </a:p>
-        </p:txBody>
-      </p:sp>
-    </p:spTree>
-    <p:extLst>
-      <p:ext uri="{BB962C8B-B14F-4D97-AF65-F5344CB8AC3E}">
-        <p14:creationId xmlns:p14="http://schemas.microsoft.com/office/powerpoint/2010/main" val="746909221"/>
-      </p:ext>
-    </p:extLst>
-  </p:cSld>
-  <p:clrMapOvr>
-    <a:masterClrMapping/>
-  </p:clrMapOvr>
-</p:notes>
-</file>
-
-<file path=ppt/notesSlides/notesSlide26.xml><?xml version="1.0" encoding="utf-8"?>
-<p:notes xmlns:a="http://schemas.openxmlformats.org/drawingml/2006/main" xmlns:r="http://schemas.openxmlformats.org/officeDocument/2006/relationships" xmlns:p="http://schemas.openxmlformats.org/presentationml/2006/main" showMasterSp="0" showMasterPhAnim="0">
-  <p:cSld>
-    <p:spTree>
-      <p:nvGrpSpPr>
-        <p:cNvPr id="1" name="Shape 325"/>
-        <p:cNvGrpSpPr/>
-        <p:nvPr/>
-      </p:nvGrpSpPr>
-      <p:grpSpPr>
-        <a:xfrm>
-          <a:off x="0" y="0"/>
-          <a:ext cx="0" cy="0"/>
-          <a:chOff x="0" y="0"/>
-          <a:chExt cx="0" cy="0"/>
-        </a:xfrm>
-      </p:grpSpPr>
-      <p:sp>
-        <p:nvSpPr>
-          <p:cNvPr id="326" name="Google Shape;326;g34204d2b13_0_341:notes"/>
-          <p:cNvSpPr>
-            <a:spLocks noGrp="1" noRot="1" noChangeAspect="1"/>
-          </p:cNvSpPr>
-          <p:nvPr>
-            <p:ph type="sldImg" idx="2"/>
-          </p:nvPr>
-        </p:nvSpPr>
-        <p:spPr>
-          <a:xfrm>
-            <a:off x="381300" y="685800"/>
-            <a:ext cx="6096000" cy="3429000"/>
-          </a:xfrm>
-          <a:custGeom>
-            <a:avLst/>
-            <a:gdLst/>
-            <a:ahLst/>
-            <a:cxnLst/>
-            <a:rect l="l" t="t" r="r" b="b"/>
-            <a:pathLst>
-              <a:path w="120000" h="120000" extrusionOk="0">
-                <a:moveTo>
-                  <a:pt x="0" y="0"/>
-                </a:moveTo>
-                <a:lnTo>
-                  <a:pt x="120000" y="0"/>
-                </a:lnTo>
-                <a:lnTo>
-                  <a:pt x="120000" y="120000"/>
-                </a:lnTo>
-                <a:lnTo>
-                  <a:pt x="0" y="120000"/>
-                </a:lnTo>
-                <a:close/>
-              </a:path>
-            </a:pathLst>
-          </a:custGeom>
-        </p:spPr>
-      </p:sp>
-      <p:sp>
-        <p:nvSpPr>
-          <p:cNvPr id="327" name="Google Shape;327;g34204d2b13_0_341:notes"/>
-          <p:cNvSpPr txBox="1">
-            <a:spLocks noGrp="1"/>
-          </p:cNvSpPr>
-          <p:nvPr>
-            <p:ph type="body" idx="1"/>
-          </p:nvPr>
-        </p:nvSpPr>
-        <p:spPr>
-          <a:xfrm>
-            <a:off x="685800" y="4343400"/>
-            <a:ext cx="5486400" cy="4114800"/>
-          </a:xfrm>
-          <a:prstGeom prst="rect">
-            <a:avLst/>
-          </a:prstGeom>
-        </p:spPr>
-        <p:txBody>
-          <a:bodyPr spcFirstLastPara="1" wrap="square" lIns="91425" tIns="91425" rIns="91425" bIns="91425" anchor="t" anchorCtr="0">
-            <a:noAutofit/>
-          </a:bodyPr>
-          <a:lstStyle/>
-          <a:p>
-            <a:pPr marL="0" lvl="0" indent="0" algn="l" rtl="0">
-              <a:spcBef>
-                <a:spcPts val="0"/>
-              </a:spcBef>
-              <a:spcAft>
-                <a:spcPts val="0"/>
-              </a:spcAft>
-              <a:buNone/>
-            </a:pPr>
-            <a:endParaRPr/>
-          </a:p>
-        </p:txBody>
-      </p:sp>
-    </p:spTree>
-    <p:extLst>
-      <p:ext uri="{BB962C8B-B14F-4D97-AF65-F5344CB8AC3E}">
-        <p14:creationId xmlns:p14="http://schemas.microsoft.com/office/powerpoint/2010/main" val="1480503898"/>
-      </p:ext>
-    </p:extLst>
-  </p:cSld>
-  <p:clrMapOvr>
-    <a:masterClrMapping/>
-  </p:clrMapOvr>
-</p:notes>
-</file>
-
-<file path=ppt/notesSlides/notesSlide27.xml><?xml version="1.0" encoding="utf-8"?>
-<p:notes xmlns:a="http://schemas.openxmlformats.org/drawingml/2006/main" xmlns:r="http://schemas.openxmlformats.org/officeDocument/2006/relationships" xmlns:p="http://schemas.openxmlformats.org/presentationml/2006/main" showMasterSp="0" showMasterPhAnim="0">
-  <p:cSld>
-    <p:spTree>
-      <p:nvGrpSpPr>
-        <p:cNvPr id="1" name="Shape 331"/>
-        <p:cNvGrpSpPr/>
-        <p:nvPr/>
-      </p:nvGrpSpPr>
-      <p:grpSpPr>
-        <a:xfrm>
-          <a:off x="0" y="0"/>
-          <a:ext cx="0" cy="0"/>
-          <a:chOff x="0" y="0"/>
-          <a:chExt cx="0" cy="0"/>
-        </a:xfrm>
-      </p:grpSpPr>
-      <p:sp>
-        <p:nvSpPr>
-          <p:cNvPr id="332" name="Google Shape;332;g34204d2b13_0_346:notes"/>
-          <p:cNvSpPr>
-            <a:spLocks noGrp="1" noRot="1" noChangeAspect="1"/>
-          </p:cNvSpPr>
-          <p:nvPr>
-            <p:ph type="sldImg" idx="2"/>
-          </p:nvPr>
-        </p:nvSpPr>
-        <p:spPr>
-          <a:xfrm>
-            <a:off x="381300" y="685800"/>
-            <a:ext cx="6096000" cy="3429000"/>
-          </a:xfrm>
-          <a:custGeom>
-            <a:avLst/>
-            <a:gdLst/>
-            <a:ahLst/>
-            <a:cxnLst/>
-            <a:rect l="l" t="t" r="r" b="b"/>
-            <a:pathLst>
-              <a:path w="120000" h="120000" extrusionOk="0">
-                <a:moveTo>
-                  <a:pt x="0" y="0"/>
-                </a:moveTo>
-                <a:lnTo>
-                  <a:pt x="120000" y="0"/>
-                </a:lnTo>
-                <a:lnTo>
-                  <a:pt x="120000" y="120000"/>
-                </a:lnTo>
-                <a:lnTo>
-                  <a:pt x="0" y="120000"/>
-                </a:lnTo>
-                <a:close/>
-              </a:path>
-            </a:pathLst>
-          </a:custGeom>
-        </p:spPr>
-      </p:sp>
-      <p:sp>
-        <p:nvSpPr>
-          <p:cNvPr id="333" name="Google Shape;333;g34204d2b13_0_346:notes"/>
-          <p:cNvSpPr txBox="1">
-            <a:spLocks noGrp="1"/>
-          </p:cNvSpPr>
-          <p:nvPr>
-            <p:ph type="body" idx="1"/>
-          </p:nvPr>
-        </p:nvSpPr>
-        <p:spPr>
-          <a:xfrm>
-            <a:off x="685800" y="4343400"/>
-            <a:ext cx="5486400" cy="4114800"/>
-          </a:xfrm>
-          <a:prstGeom prst="rect">
-            <a:avLst/>
-          </a:prstGeom>
-        </p:spPr>
-        <p:txBody>
-          <a:bodyPr spcFirstLastPara="1" wrap="square" lIns="91425" tIns="91425" rIns="91425" bIns="91425" anchor="t" anchorCtr="0">
-            <a:noAutofit/>
-          </a:bodyPr>
-          <a:lstStyle/>
-          <a:p>
-            <a:pPr marL="0" lvl="0" indent="0" algn="l" rtl="0">
-              <a:spcBef>
-                <a:spcPts val="0"/>
-              </a:spcBef>
-              <a:spcAft>
-                <a:spcPts val="0"/>
-              </a:spcAft>
-              <a:buNone/>
-            </a:pPr>
-            <a:endParaRPr/>
-          </a:p>
-        </p:txBody>
-      </p:sp>
-    </p:spTree>
-    <p:extLst>
-      <p:ext uri="{BB962C8B-B14F-4D97-AF65-F5344CB8AC3E}">
-        <p14:creationId xmlns:p14="http://schemas.microsoft.com/office/powerpoint/2010/main" val="2498385926"/>
       </p:ext>
     </p:extLst>
   </p:cSld>
@@ -9288,10 +8439,10 @@
               <a:buNone/>
             </a:pPr>
             <a:r>
-              <a:rPr lang="en"/>
-              <a:t>K8s Pod</a:t>
-            </a:r>
-            <a:endParaRPr/>
+              <a:rPr lang="en" dirty="0" smtClean="0"/>
+              <a:t>Pod</a:t>
+            </a:r>
+            <a:endParaRPr dirty="0"/>
           </a:p>
         </p:txBody>
       </p:sp>
@@ -9331,10 +8482,18 @@
               <a:buChar char="-"/>
             </a:pPr>
             <a:r>
-              <a:rPr lang="en"/>
-              <a:t>https://kubernetes.io/docs/concepts/workloads/pods/</a:t>
-            </a:r>
-            <a:endParaRPr/>
+              <a:rPr lang="en" dirty="0" smtClean="0"/>
+              <a:t>Nejmenší </a:t>
+            </a:r>
+            <a:r>
+              <a:rPr lang="en" dirty="0"/>
+              <a:t>možná “spustitelná” </a:t>
+            </a:r>
+            <a:r>
+              <a:rPr lang="en" dirty="0" smtClean="0"/>
+              <a:t>jednotka</a:t>
+            </a:r>
+            <a:endParaRPr dirty="0"/>
           </a:p>
           <a:p>
             <a:pPr marL="457200" lvl="0" indent="-342900" algn="l" rtl="0">
@@ -9348,10 +8507,10 @@
               <a:buChar char="-"/>
             </a:pPr>
             <a:r>
-              <a:rPr lang="en"/>
-              <a:t>Nejmenší možná “spustitelná” k8s jednotka</a:t>
-            </a:r>
-            <a:endParaRPr/>
+              <a:rPr lang="en" dirty="0"/>
+              <a:t>Jeden a více kontejnerů, které sdílejí síť a úložiště</a:t>
+            </a:r>
+            <a:endParaRPr dirty="0"/>
           </a:p>
           <a:p>
             <a:pPr marL="457200" lvl="0" indent="-342900" algn="l" rtl="0">
@@ -9365,10 +8524,26 @@
               <a:buChar char="-"/>
             </a:pPr>
             <a:r>
-              <a:rPr lang="en"/>
-              <a:t>Jeden a více kontejnerů, které sdílejí síť a úložiště</a:t>
-            </a:r>
-            <a:endParaRPr/>
+              <a:rPr lang="cs-CZ" dirty="0" smtClean="0"/>
+              <a:t>Lze doplnit o </a:t>
+            </a:r>
+            <a:r>
+              <a:rPr lang="en" dirty="0" smtClean="0"/>
+              <a:t>Init</a:t>
+            </a:r>
+            <a:r>
+              <a:rPr lang="cs-CZ" dirty="0" smtClean="0"/>
+              <a:t> a E</a:t>
+            </a:r>
+            <a:r>
+              <a:rPr lang="en" dirty="0" smtClean="0"/>
+              <a:t>phemeral </a:t>
+            </a:r>
+            <a:r>
+              <a:rPr lang="en" dirty="0"/>
+              <a:t>kontejnery</a:t>
+            </a:r>
+            <a:endParaRPr dirty="0"/>
           </a:p>
           <a:p>
             <a:pPr marL="457200" lvl="0" indent="-342900" algn="l" rtl="0">
@@ -9382,10 +8557,10 @@
               <a:buChar char="-"/>
             </a:pPr>
             <a:r>
-              <a:rPr lang="en"/>
-              <a:t>Init kontejnery, ephemeral kontejnery</a:t>
-            </a:r>
-            <a:endParaRPr/>
+              <a:rPr lang="en" dirty="0"/>
+              <a:t>Pod je “postradatelný”</a:t>
+            </a:r>
+            <a:endParaRPr dirty="0"/>
           </a:p>
           <a:p>
             <a:pPr marL="457200" lvl="0" indent="-342900" algn="l" rtl="0">
@@ -9399,10 +8574,18 @@
               <a:buChar char="-"/>
             </a:pPr>
             <a:r>
-              <a:rPr lang="en"/>
-              <a:t>Pod je “postradatelný”</a:t>
-            </a:r>
-            <a:endParaRPr/>
+              <a:rPr lang="en" dirty="0"/>
+              <a:t>Každý pod má unikátní </a:t>
+            </a:r>
+            <a:r>
+              <a:rPr lang="cs-CZ" dirty="0" smtClean="0"/>
+              <a:t>IP</a:t>
+            </a:r>
+            <a:r>
+              <a:rPr lang="en" dirty="0" smtClean="0"/>
+              <a:t> adresu</a:t>
+            </a:r>
+            <a:endParaRPr lang="cs-CZ" dirty="0" smtClean="0"/>
           </a:p>
           <a:p>
             <a:pPr marL="457200" lvl="0" indent="-342900" algn="l" rtl="0">
@@ -9415,11 +8598,7 @@
               <a:buSzPts val="1800"/>
               <a:buChar char="-"/>
             </a:pPr>
-            <a:r>
-              <a:rPr lang="en"/>
-              <a:t>Každý pod má unikátní ip adresu</a:t>
-            </a:r>
-            <a:endParaRPr/>
+            <a:endParaRPr lang="cs-CZ" dirty="0"/>
           </a:p>
           <a:p>
             <a:pPr marL="457200" lvl="0" indent="-342900" algn="l" rtl="0">
@@ -9432,11 +8611,7 @@
               <a:buSzPts val="1800"/>
               <a:buChar char="-"/>
             </a:pPr>
-            <a:r>
-              <a:rPr lang="en"/>
-              <a:t>kubectl run UNIKATNI_NAZEV --rm -i --tty --image nicolaka/netshoot -- /bin/bash</a:t>
-            </a:r>
-            <a:endParaRPr/>
+            <a:endParaRPr lang="cs-CZ" dirty="0" smtClean="0"/>
           </a:p>
           <a:p>
             <a:pPr marL="457200" lvl="0" indent="-342900" algn="l" rtl="0">
@@ -9449,32 +8624,51 @@
               <a:buSzPts val="1800"/>
               <a:buChar char="-"/>
             </a:pPr>
-            <a:r>
-              <a:rPr lang="en"/>
-              <a:t>`kubectl get pod -o wide`, vybrat IP podu, zavolat curlem: </a:t>
-            </a:r>
-            <a:endParaRPr/>
-          </a:p>
-          <a:p>
-            <a:pPr marL="914400" lvl="1" indent="-317500" algn="l" rtl="0">
-              <a:spcBef>
-                <a:spcPts val="0"/>
-              </a:spcBef>
-              <a:spcAft>
-                <a:spcPts val="0"/>
-              </a:spcAft>
-              <a:buSzPts val="1400"/>
+            <a:endParaRPr lang="cs-CZ" dirty="0"/>
+          </a:p>
+          <a:p>
+            <a:pPr marL="114300" lvl="0" indent="0" algn="l" rtl="0">
+              <a:spcBef>
+                <a:spcPts val="0"/>
+              </a:spcBef>
+              <a:spcAft>
+                <a:spcPts val="0"/>
+              </a:spcAft>
+              <a:buSzPts val="1800"/>
+              <a:buNone/>
+            </a:pPr>
+            <a:endParaRPr lang="cs-CZ" dirty="0" smtClean="0"/>
+          </a:p>
+          <a:p>
+            <a:pPr>
+              <a:buFont typeface="Arial"/>
               <a:buChar char="-"/>
             </a:pPr>
             <a:r>
-              <a:rPr lang="en"/>
-              <a:t>Uvnitř podu zavolat: curl 10.2.192.1:8080</a:t>
-            </a:r>
-            <a:endParaRPr/>
+              <a:rPr lang="cs-CZ" dirty="0">
+                <a:hlinkClick r:id="rId3"/>
+              </a:rPr>
+              <a:t>https://kubernetes.io/docs/concepts/workloads/pods</a:t>
+            </a:r>
+            <a:r>
+              <a:rPr lang="cs-CZ" dirty="0" smtClean="0">
+                <a:hlinkClick r:id="rId3"/>
+              </a:rPr>
+              <a:t>/</a:t>
+            </a:r>
+            <a:r>
+              <a:rPr lang="cs-CZ" dirty="0"/>
+              <a:t> </a:t>
+            </a:r>
           </a:p>
         </p:txBody>
       </p:sp>
     </p:spTree>
+    <p:extLst>
+      <p:ext uri="{BB962C8B-B14F-4D97-AF65-F5344CB8AC3E}">
+        <p14:creationId xmlns:p14="http://schemas.microsoft.com/office/powerpoint/2010/main" val="560971329"/>
+      </p:ext>
+    </p:extLst>
   </p:cSld>
   <p:clrMapOvr>
     <a:masterClrMapping/>
@@ -9487,7 +8681,7 @@
   <p:cSld>
     <p:spTree>
       <p:nvGrpSpPr>
-        <p:cNvPr id="1" name="Shape 141"/>
+        <p:cNvPr id="1" name="Shape 135"/>
         <p:cNvGrpSpPr/>
         <p:nvPr/>
       </p:nvGrpSpPr>
@@ -9501,7 +8695,7 @@
       </p:grpSpPr>
       <p:sp>
         <p:nvSpPr>
-          <p:cNvPr id="142" name="Google Shape;142;p27"/>
+          <p:cNvPr id="136" name="Google Shape;136;p26"/>
           <p:cNvSpPr txBox="1">
             <a:spLocks noGrp="1"/>
           </p:cNvSpPr>
@@ -9534,16 +8728,16 @@
               <a:buNone/>
             </a:pPr>
             <a:r>
-              <a:rPr lang="en"/>
-              <a:t>Pod demo</a:t>
-            </a:r>
-            <a:endParaRPr/>
+              <a:rPr lang="cs-CZ" dirty="0" err="1" smtClean="0"/>
+              <a:t>ReplicaSet</a:t>
+            </a:r>
+            <a:endParaRPr dirty="0"/>
           </a:p>
         </p:txBody>
       </p:sp>
       <p:sp>
         <p:nvSpPr>
-          <p:cNvPr id="143" name="Google Shape;143;p27"/>
+          <p:cNvPr id="137" name="Google Shape;137;p26"/>
           <p:cNvSpPr txBox="1">
             <a:spLocks noGrp="1"/>
           </p:cNvSpPr>
@@ -9577,15 +8771,18 @@
               <a:buChar char="-"/>
             </a:pPr>
             <a:r>
-              <a:rPr lang="en" u="sng">
-                <a:solidFill>
-                  <a:schemeClr val="hlink"/>
-                </a:solidFill>
-                <a:hlinkClick r:id="rId3"/>
-              </a:rPr>
-              <a:t>https://github.com/stibi/k8s-skoleni/blob/master/01_pod_example/pod.yaml</a:t>
-            </a:r>
-            <a:endParaRPr/>
+              <a:rPr lang="cs-CZ" dirty="0" smtClean="0"/>
+              <a:t>„Abstrakce nad </a:t>
+            </a:r>
+            <a:r>
+              <a:rPr lang="cs-CZ" dirty="0" err="1" smtClean="0"/>
+              <a:t>pody</a:t>
+            </a:r>
+            <a:r>
+              <a:rPr lang="cs-CZ" dirty="0" smtClean="0"/>
+              <a:t>“</a:t>
+            </a:r>
+            <a:endParaRPr dirty="0"/>
           </a:p>
           <a:p>
             <a:pPr marL="457200" lvl="0" indent="-342900" algn="l" rtl="0">
@@ -9599,27 +8796,40 @@
               <a:buChar char="-"/>
             </a:pPr>
             <a:r>
-              <a:rPr lang="en"/>
-              <a:t>Upravit metadata.name</a:t>
-            </a:r>
-            <a:endParaRPr/>
-          </a:p>
-          <a:p>
-            <a:pPr marL="457200" lvl="0" indent="-342900" algn="l" rtl="0">
-              <a:spcBef>
-                <a:spcPts val="0"/>
-              </a:spcBef>
-              <a:spcAft>
-                <a:spcPts val="0"/>
-              </a:spcAft>
+              <a:rPr lang="cs-CZ" dirty="0" smtClean="0"/>
+              <a:t>Udržuje požadovaný počet </a:t>
+            </a:r>
+            <a:r>
+              <a:rPr lang="cs-CZ" dirty="0" err="1" smtClean="0"/>
+              <a:t>podů</a:t>
+            </a:r>
+            <a:r>
+              <a:rPr lang="cs-CZ" dirty="0" smtClean="0"/>
+              <a:t> (replik)</a:t>
+            </a:r>
+            <a:endParaRPr dirty="0"/>
+          </a:p>
+          <a:p>
+            <a:pPr lvl="1" indent="-342900">
+              <a:spcBef>
+                <a:spcPts val="0"/>
+              </a:spcBef>
               <a:buSzPts val="1800"/>
               <a:buChar char="-"/>
             </a:pPr>
             <a:r>
-              <a:rPr lang="en"/>
-              <a:t>Dle libosti upravit spec.containers.env</a:t>
-            </a:r>
-            <a:endParaRPr/>
+              <a:rPr lang="cs-CZ" dirty="0" smtClean="0"/>
+              <a:t>Přidává nové, </a:t>
+            </a:r>
+            <a:r>
+              <a:rPr lang="cs-CZ" dirty="0" err="1" smtClean="0"/>
+              <a:t>škáluje</a:t>
+            </a:r>
+            <a:r>
+              <a:rPr lang="cs-CZ" dirty="0" smtClean="0"/>
+              <a:t>, maže…</a:t>
+            </a:r>
+            <a:endParaRPr dirty="0"/>
           </a:p>
           <a:p>
             <a:pPr marL="457200" lvl="0" indent="-342900" algn="l" rtl="0">
@@ -9633,18 +8843,50 @@
               <a:buChar char="-"/>
             </a:pPr>
             <a:r>
-              <a:rPr lang="en"/>
-              <a:t>kubectl apply -f cesta/k/tomu/pod.yaml</a:t>
-            </a:r>
-            <a:endParaRPr/>
+              <a:rPr lang="cs-CZ" dirty="0" smtClean="0"/>
+              <a:t>Může obsahovat šablonu pro </a:t>
+            </a:r>
+            <a:r>
+              <a:rPr lang="cs-CZ" dirty="0" err="1" smtClean="0"/>
+              <a:t>pody</a:t>
+            </a:r>
+            <a:r>
+              <a:rPr lang="cs-CZ" dirty="0" smtClean="0"/>
+              <a:t> (kontejnery)</a:t>
+            </a:r>
+          </a:p>
+          <a:p>
+            <a:pPr marL="457200" lvl="0" indent="-342900" algn="l" rtl="0">
+              <a:spcBef>
+                <a:spcPts val="0"/>
+              </a:spcBef>
+              <a:spcAft>
+                <a:spcPts val="0"/>
+              </a:spcAft>
+              <a:buSzPts val="1800"/>
+              <a:buChar char="-"/>
+            </a:pPr>
+            <a:endParaRPr dirty="0"/>
           </a:p>
         </p:txBody>
       </p:sp>
     </p:spTree>
+    <p:extLst>
+      <p:ext uri="{BB962C8B-B14F-4D97-AF65-F5344CB8AC3E}">
+        <p14:creationId xmlns:p14="http://schemas.microsoft.com/office/powerpoint/2010/main" val="2888281026"/>
+      </p:ext>
+    </p:extLst>
   </p:cSld>
   <p:clrMapOvr>
     <a:masterClrMapping/>
   </p:clrMapOvr>
+  <p:timing>
+    <p:tnLst>
+      <p:par>
+        <p:cTn id="1" dur="indefinite" restart="never" nodeType="tmRoot"/>
+      </p:par>
+    </p:tnLst>
+  </p:timing>
 </p:sld>
 </file>
 
@@ -9653,7 +8895,7 @@
   <p:cSld>
     <p:spTree>
       <p:nvGrpSpPr>
-        <p:cNvPr id="1" name="Shape 250"/>
+        <p:cNvPr id="1" name=""/>
         <p:cNvGrpSpPr/>
         <p:nvPr/>
       </p:nvGrpSpPr>
@@ -9667,192 +8909,145 @@
       </p:grpSpPr>
       <p:sp>
         <p:nvSpPr>
-          <p:cNvPr id="251" name="Google Shape;251;p34"/>
-          <p:cNvSpPr txBox="1">
+          <p:cNvPr id="2" name="Nadpis 1"/>
+          <p:cNvSpPr>
             <a:spLocks noGrp="1"/>
           </p:cNvSpPr>
           <p:nvPr>
             <p:ph type="title"/>
           </p:nvPr>
         </p:nvSpPr>
-        <p:spPr>
-          <a:xfrm>
-            <a:off x="311700" y="445025"/>
-            <a:ext cx="8520600" cy="572700"/>
-          </a:xfrm>
-          <a:prstGeom prst="rect">
-            <a:avLst/>
-          </a:prstGeom>
-        </p:spPr>
+        <p:spPr/>
         <p:txBody>
-          <a:bodyPr spcFirstLastPara="1" wrap="square" lIns="91425" tIns="91425" rIns="91425" bIns="91425" anchor="t" anchorCtr="0">
-            <a:noAutofit/>
-          </a:bodyPr>
+          <a:bodyPr/>
           <a:lstStyle/>
           <a:p>
-            <a:pPr marL="0" lvl="0" indent="0" algn="l" rtl="0">
-              <a:spcBef>
-                <a:spcPts val="0"/>
-              </a:spcBef>
-              <a:spcAft>
-                <a:spcPts val="0"/>
-              </a:spcAft>
-              <a:buNone/>
-            </a:pPr>
-            <a:r>
-              <a:rPr lang="en"/>
-              <a:t>K8s Deployment</a:t>
-            </a:r>
-            <a:endParaRPr/>
+            <a:r>
+              <a:rPr lang="cs-CZ" dirty="0" err="1" smtClean="0"/>
+              <a:t>Deployment</a:t>
+            </a:r>
+            <a:endParaRPr lang="cs-CZ" dirty="0"/>
           </a:p>
         </p:txBody>
       </p:sp>
       <p:sp>
         <p:nvSpPr>
-          <p:cNvPr id="252" name="Google Shape;252;p34"/>
-          <p:cNvSpPr txBox="1">
+          <p:cNvPr id="3" name="Zástupný symbol pro text 2"/>
+          <p:cNvSpPr>
             <a:spLocks noGrp="1"/>
           </p:cNvSpPr>
           <p:nvPr>
             <p:ph type="body" idx="1"/>
           </p:nvPr>
         </p:nvSpPr>
-        <p:spPr>
-          <a:xfrm>
-            <a:off x="311700" y="1152475"/>
-            <a:ext cx="8520600" cy="3416400"/>
-          </a:xfrm>
-          <a:prstGeom prst="rect">
-            <a:avLst/>
-          </a:prstGeom>
-        </p:spPr>
+        <p:spPr/>
         <p:txBody>
-          <a:bodyPr spcFirstLastPara="1" wrap="square" lIns="91425" tIns="91425" rIns="91425" bIns="91425" anchor="t" anchorCtr="0">
-            <a:noAutofit/>
-          </a:bodyPr>
+          <a:bodyPr/>
           <a:lstStyle/>
           <a:p>
-            <a:pPr marL="457200" lvl="0" indent="-342900" algn="l" rtl="0">
-              <a:spcBef>
-                <a:spcPts val="0"/>
-              </a:spcBef>
-              <a:spcAft>
-                <a:spcPts val="0"/>
-              </a:spcAft>
-              <a:buSzPts val="1800"/>
+            <a:pPr lvl="0">
               <a:buChar char="-"/>
             </a:pPr>
             <a:r>
-              <a:rPr lang="en"/>
-              <a:t>Rozšiřuje možnosti Podu</a:t>
-            </a:r>
-            <a:endParaRPr/>
-          </a:p>
-          <a:p>
-            <a:pPr marL="457200" lvl="0" indent="-342900" algn="l" rtl="0">
-              <a:spcBef>
-                <a:spcPts val="0"/>
-              </a:spcBef>
-              <a:spcAft>
-                <a:spcPts val="0"/>
-              </a:spcAft>
-              <a:buSzPts val="1800"/>
+              <a:rPr lang="cs-CZ" dirty="0"/>
+              <a:t>„Abstrakce nad </a:t>
+            </a:r>
+            <a:r>
+              <a:rPr lang="cs-CZ" dirty="0" smtClean="0"/>
+              <a:t>RS“ – interně ho používá</a:t>
+            </a:r>
+          </a:p>
+          <a:p>
+            <a:pPr lvl="0">
               <a:buChar char="-"/>
             </a:pPr>
             <a:r>
-              <a:rPr lang="en"/>
-              <a:t>Deklarativní popis stavu a jeho update</a:t>
-            </a:r>
-            <a:endParaRPr/>
-          </a:p>
-          <a:p>
-            <a:pPr marL="457200" lvl="0" indent="-342900" algn="l" rtl="0">
-              <a:spcBef>
-                <a:spcPts val="0"/>
-              </a:spcBef>
-              <a:spcAft>
-                <a:spcPts val="0"/>
-              </a:spcAft>
-              <a:buSzPts val="1800"/>
+              <a:rPr lang="cs-CZ" dirty="0" smtClean="0"/>
+              <a:t>Update, </a:t>
+            </a:r>
+            <a:r>
+              <a:rPr lang="cs-CZ" dirty="0" err="1" smtClean="0"/>
+              <a:t>Rollback</a:t>
+            </a:r>
+            <a:endParaRPr lang="cs-CZ" dirty="0" smtClean="0"/>
+          </a:p>
+          <a:p>
+            <a:pPr lvl="0">
               <a:buChar char="-"/>
             </a:pPr>
             <a:r>
-              <a:rPr lang="en"/>
-              <a:t>Deployment controller zařídí požadovaný stav kontrolovaně</a:t>
-            </a:r>
-            <a:endParaRPr/>
-          </a:p>
-          <a:p>
-            <a:pPr marL="457200" lvl="0" indent="-342900" algn="l" rtl="0">
-              <a:spcBef>
-                <a:spcPts val="0"/>
-              </a:spcBef>
-              <a:spcAft>
-                <a:spcPts val="0"/>
-              </a:spcAft>
-              <a:buSzPts val="1800"/>
+              <a:rPr lang="cs-CZ" dirty="0" smtClean="0"/>
+              <a:t>Zajišťuje požadovaný stav „kontrolovaně“</a:t>
+            </a:r>
+          </a:p>
+          <a:p>
+            <a:pPr lvl="0">
               <a:buChar char="-"/>
             </a:pPr>
             <a:r>
-              <a:rPr lang="en"/>
-              <a:t>Repliky</a:t>
-            </a:r>
-            <a:endParaRPr/>
-          </a:p>
-          <a:p>
-            <a:pPr marL="457200" lvl="0" indent="-342900" algn="l" rtl="0">
-              <a:spcBef>
-                <a:spcPts val="0"/>
-              </a:spcBef>
-              <a:spcAft>
-                <a:spcPts val="0"/>
-              </a:spcAft>
-              <a:buSzPts val="1800"/>
+              <a:rPr lang="cs-CZ" dirty="0" smtClean="0"/>
+              <a:t>Nejpoužívanější </a:t>
+            </a:r>
+            <a:r>
+              <a:rPr lang="cs-CZ" dirty="0" err="1" smtClean="0"/>
+              <a:t>workload</a:t>
+            </a:r>
+            <a:endParaRPr lang="cs-CZ" dirty="0" smtClean="0"/>
+          </a:p>
+          <a:p>
+            <a:pPr lvl="0">
               <a:buChar char="-"/>
             </a:pPr>
-            <a:r>
-              <a:rPr lang="en"/>
-              <a:t>Update strategie</a:t>
-            </a:r>
-            <a:endParaRPr/>
-          </a:p>
-          <a:p>
-            <a:pPr marL="457200" lvl="0" indent="-342900" algn="l" rtl="0">
-              <a:spcBef>
-                <a:spcPts val="0"/>
-              </a:spcBef>
-              <a:spcAft>
-                <a:spcPts val="0"/>
-              </a:spcAft>
-              <a:buSzPts val="1800"/>
+            <a:endParaRPr lang="cs-CZ" dirty="0"/>
+          </a:p>
+          <a:p>
+            <a:pPr lvl="0">
               <a:buChar char="-"/>
             </a:pPr>
-            <a:r>
-              <a:rPr lang="en"/>
-              <a:t>Rollback</a:t>
-            </a:r>
-            <a:endParaRPr/>
-          </a:p>
-          <a:p>
-            <a:pPr marL="457200" lvl="0" indent="-342900" algn="l" rtl="0">
-              <a:spcBef>
-                <a:spcPts val="0"/>
-              </a:spcBef>
-              <a:spcAft>
-                <a:spcPts val="0"/>
-              </a:spcAft>
-              <a:buSzPts val="1800"/>
+            <a:endParaRPr lang="cs-CZ" dirty="0" smtClean="0"/>
+          </a:p>
+          <a:p>
+            <a:pPr lvl="0">
               <a:buChar char="-"/>
             </a:pPr>
-            <a:r>
-              <a:rPr lang="en"/>
-              <a:t>Deployment pause</a:t>
-            </a:r>
-            <a:endParaRPr/>
+            <a:endParaRPr lang="cs-CZ" dirty="0"/>
+          </a:p>
+          <a:p>
+            <a:pPr lvl="0">
+              <a:buChar char="-"/>
+            </a:pPr>
+            <a:endParaRPr lang="cs-CZ" dirty="0"/>
+          </a:p>
+          <a:p>
+            <a:pPr lvl="0">
+              <a:buChar char="-"/>
+            </a:pPr>
+            <a:r>
+              <a:rPr lang="cs-CZ" dirty="0">
+                <a:hlinkClick r:id="rId2"/>
+              </a:rPr>
+              <a:t>https://</a:t>
+            </a:r>
+            <a:r>
+              <a:rPr lang="cs-CZ" dirty="0" smtClean="0">
+                <a:hlinkClick r:id="rId2"/>
+              </a:rPr>
+              <a:t>kubernetes.io/docs/concepts/workloads/controllers/deployment/</a:t>
+            </a:r>
+            <a:r>
+              <a:rPr lang="cs-CZ" dirty="0" smtClean="0"/>
+              <a:t> </a:t>
+            </a:r>
+            <a:endParaRPr lang="cs-CZ" dirty="0"/>
           </a:p>
         </p:txBody>
       </p:sp>
     </p:spTree>
+    <p:extLst>
+      <p:ext uri="{BB962C8B-B14F-4D97-AF65-F5344CB8AC3E}">
+        <p14:creationId xmlns:p14="http://schemas.microsoft.com/office/powerpoint/2010/main" val="43820311"/>
+      </p:ext>
+    </p:extLst>
   </p:cSld>
   <p:clrMapOvr>
     <a:masterClrMapping/>
@@ -9865,7 +9060,7 @@
   <p:cSld>
     <p:spTree>
       <p:nvGrpSpPr>
-        <p:cNvPr id="1" name="Shape 256"/>
+        <p:cNvPr id="1" name=""/>
         <p:cNvGrpSpPr/>
         <p:nvPr/>
       </p:nvGrpSpPr>
@@ -9879,167 +9074,83 @@
       </p:grpSpPr>
       <p:sp>
         <p:nvSpPr>
-          <p:cNvPr id="257" name="Google Shape;257;p35"/>
-          <p:cNvSpPr txBox="1">
+          <p:cNvPr id="2" name="Nadpis 1"/>
+          <p:cNvSpPr>
             <a:spLocks noGrp="1"/>
           </p:cNvSpPr>
           <p:nvPr>
             <p:ph type="title"/>
           </p:nvPr>
         </p:nvSpPr>
-        <p:spPr>
-          <a:xfrm>
-            <a:off x="311700" y="445025"/>
-            <a:ext cx="8520600" cy="572700"/>
-          </a:xfrm>
-          <a:prstGeom prst="rect">
-            <a:avLst/>
-          </a:prstGeom>
-        </p:spPr>
+        <p:spPr/>
         <p:txBody>
-          <a:bodyPr spcFirstLastPara="1" wrap="square" lIns="91425" tIns="91425" rIns="91425" bIns="91425" anchor="t" anchorCtr="0">
-            <a:noAutofit/>
-          </a:bodyPr>
+          <a:bodyPr/>
           <a:lstStyle/>
           <a:p>
-            <a:pPr marL="0" lvl="0" indent="0" algn="l" rtl="0">
-              <a:spcBef>
-                <a:spcPts val="0"/>
-              </a:spcBef>
-              <a:spcAft>
-                <a:spcPts val="0"/>
-              </a:spcAft>
-              <a:buClr>
-                <a:schemeClr val="dk1"/>
-              </a:buClr>
-              <a:buSzPts val="1100"/>
-              <a:buFont typeface="Arial"/>
-              <a:buNone/>
-            </a:pPr>
-            <a:r>
-              <a:rPr lang="en"/>
-              <a:t>K8s Deployment demo</a:t>
-            </a:r>
-            <a:endParaRPr/>
-          </a:p>
-          <a:p>
-            <a:pPr marL="0" lvl="0" indent="0" algn="l" rtl="0">
-              <a:spcBef>
-                <a:spcPts val="0"/>
-              </a:spcBef>
-              <a:spcAft>
-                <a:spcPts val="0"/>
-              </a:spcAft>
-              <a:buNone/>
-            </a:pPr>
-            <a:endParaRPr/>
+            <a:r>
+              <a:rPr lang="cs-CZ" dirty="0" smtClean="0"/>
+              <a:t>Další </a:t>
+            </a:r>
+            <a:r>
+              <a:rPr lang="cs-CZ" dirty="0" err="1" smtClean="0"/>
+              <a:t>workloady</a:t>
+            </a:r>
+            <a:endParaRPr lang="cs-CZ" dirty="0"/>
           </a:p>
         </p:txBody>
       </p:sp>
       <p:sp>
         <p:nvSpPr>
-          <p:cNvPr id="258" name="Google Shape;258;p35"/>
-          <p:cNvSpPr txBox="1">
+          <p:cNvPr id="3" name="Zástupný symbol pro text 2"/>
+          <p:cNvSpPr>
             <a:spLocks noGrp="1"/>
           </p:cNvSpPr>
           <p:nvPr>
             <p:ph type="body" idx="1"/>
           </p:nvPr>
         </p:nvSpPr>
-        <p:spPr>
-          <a:xfrm>
-            <a:off x="311700" y="1152475"/>
-            <a:ext cx="8520600" cy="3416400"/>
-          </a:xfrm>
-          <a:prstGeom prst="rect">
-            <a:avLst/>
-          </a:prstGeom>
-        </p:spPr>
+        <p:spPr/>
         <p:txBody>
-          <a:bodyPr spcFirstLastPara="1" wrap="square" lIns="91425" tIns="91425" rIns="91425" bIns="91425" anchor="t" anchorCtr="0">
-            <a:noAutofit/>
-          </a:bodyPr>
+          <a:bodyPr/>
           <a:lstStyle/>
           <a:p>
-            <a:pPr marL="457200" lvl="0" indent="-342900" algn="l" rtl="0">
-              <a:spcBef>
-                <a:spcPts val="0"/>
-              </a:spcBef>
-              <a:spcAft>
-                <a:spcPts val="0"/>
-              </a:spcAft>
-              <a:buSzPts val="1800"/>
-              <a:buChar char="-"/>
-            </a:pPr>
-            <a:r>
-              <a:rPr lang="en"/>
-              <a:t>YAML pro deployment: </a:t>
-            </a:r>
-            <a:r>
-              <a:rPr lang="en" u="sng">
-                <a:solidFill>
-                  <a:schemeClr val="hlink"/>
-                </a:solidFill>
-                <a:hlinkClick r:id="rId3"/>
-              </a:rPr>
-              <a:t>https://github.com/stibi/k8s-skoleni/blob/master/02_deployment_example/deployment.yaml</a:t>
-            </a:r>
-            <a:endParaRPr/>
-          </a:p>
-          <a:p>
-            <a:pPr marL="457200" lvl="0" indent="-342900" algn="l" rtl="0">
-              <a:spcBef>
-                <a:spcPts val="0"/>
-              </a:spcBef>
-              <a:spcAft>
-                <a:spcPts val="0"/>
-              </a:spcAft>
-              <a:buSzPts val="1800"/>
-              <a:buChar char="-"/>
-            </a:pPr>
-            <a:r>
-              <a:rPr lang="en"/>
-              <a:t>Upravit `name` na třech místech, všude stejný</a:t>
-            </a:r>
-            <a:endParaRPr/>
-          </a:p>
-          <a:p>
-            <a:pPr marL="457200" lvl="0" indent="-342900" algn="l" rtl="0">
-              <a:spcBef>
-                <a:spcPts val="0"/>
-              </a:spcBef>
-              <a:spcAft>
-                <a:spcPts val="0"/>
-              </a:spcAft>
-              <a:buSzPts val="1800"/>
-              <a:buChar char="-"/>
-            </a:pPr>
-            <a:r>
-              <a:rPr lang="en"/>
-              <a:t>Deployment nasadit pomocí:</a:t>
-            </a:r>
-            <a:endParaRPr/>
-          </a:p>
-          <a:p>
-            <a:pPr marL="914400" lvl="1" indent="-317500" algn="l" rtl="0">
-              <a:spcBef>
-                <a:spcPts val="0"/>
-              </a:spcBef>
-              <a:spcAft>
-                <a:spcPts val="0"/>
-              </a:spcAft>
-              <a:buSzPts val="1400"/>
-              <a:buChar char="-"/>
-            </a:pPr>
-            <a:r>
-              <a:rPr lang="en"/>
-              <a:t>kubectl apply -f cesta/k/tomu/deployment.yaml</a:t>
-            </a:r>
-            <a:endParaRPr/>
+            <a:r>
+              <a:rPr lang="cs-CZ" dirty="0" smtClean="0"/>
+              <a:t>Job</a:t>
+            </a:r>
+          </a:p>
+          <a:p>
+            <a:r>
+              <a:rPr lang="cs-CZ" dirty="0" err="1" smtClean="0"/>
+              <a:t>CronJob</a:t>
+            </a:r>
+            <a:endParaRPr lang="cs-CZ" dirty="0" smtClean="0"/>
+          </a:p>
+          <a:p>
+            <a:r>
+              <a:rPr lang="cs-CZ" dirty="0" err="1" smtClean="0"/>
+              <a:t>StatefulSet</a:t>
+            </a:r>
+            <a:endParaRPr lang="cs-CZ" dirty="0" smtClean="0"/>
+          </a:p>
+          <a:p>
+            <a:r>
+              <a:rPr lang="cs-CZ" dirty="0" err="1" smtClean="0"/>
+              <a:t>DaemonSet</a:t>
+            </a:r>
+            <a:endParaRPr lang="cs-CZ" dirty="0" smtClean="0"/>
+          </a:p>
+          <a:p>
+            <a:endParaRPr lang="cs-CZ" dirty="0"/>
           </a:p>
         </p:txBody>
       </p:sp>
     </p:spTree>
+    <p:extLst>
+      <p:ext uri="{BB962C8B-B14F-4D97-AF65-F5344CB8AC3E}">
+        <p14:creationId xmlns:p14="http://schemas.microsoft.com/office/powerpoint/2010/main" val="1684392159"/>
+      </p:ext>
+    </p:extLst>
   </p:cSld>
   <p:clrMapOvr>
     <a:masterClrMapping/>
@@ -10048,6 +9159,67 @@
 </file>
 
 <file path=ppt/slides/slide18.xml><?xml version="1.0" encoding="utf-8"?>
+<p:sld xmlns:a="http://schemas.openxmlformats.org/drawingml/2006/main" xmlns:r="http://schemas.openxmlformats.org/officeDocument/2006/relationships" xmlns:p="http://schemas.openxmlformats.org/presentationml/2006/main">
+  <p:cSld>
+    <p:spTree>
+      <p:nvGrpSpPr>
+        <p:cNvPr id="1" name=""/>
+        <p:cNvGrpSpPr/>
+        <p:nvPr/>
+      </p:nvGrpSpPr>
+      <p:grpSpPr>
+        <a:xfrm>
+          <a:off x="0" y="0"/>
+          <a:ext cx="0" cy="0"/>
+          <a:chOff x="0" y="0"/>
+          <a:chExt cx="0" cy="0"/>
+        </a:xfrm>
+      </p:grpSpPr>
+      <p:sp>
+        <p:nvSpPr>
+          <p:cNvPr id="4" name="Nadpis 3"/>
+          <p:cNvSpPr>
+            <a:spLocks noGrp="1"/>
+          </p:cNvSpPr>
+          <p:nvPr>
+            <p:ph type="title"/>
+          </p:nvPr>
+        </p:nvSpPr>
+        <p:spPr/>
+        <p:txBody>
+          <a:bodyPr/>
+          <a:lstStyle/>
+          <a:p>
+            <a:r>
+              <a:rPr lang="cs-CZ" dirty="0" smtClean="0"/>
+              <a:t>Demo – </a:t>
+            </a:r>
+            <a:r>
+              <a:rPr lang="cs-CZ" dirty="0" smtClean="0"/>
+              <a:t>Pod, RS, </a:t>
+            </a:r>
+            <a:r>
+              <a:rPr lang="cs-CZ" dirty="0" err="1" smtClean="0"/>
+              <a:t>Deployment</a:t>
+            </a:r>
+            <a:endParaRPr lang="cs-CZ" dirty="0"/>
+          </a:p>
+        </p:txBody>
+      </p:sp>
+    </p:spTree>
+    <p:extLst>
+      <p:ext uri="{BB962C8B-B14F-4D97-AF65-F5344CB8AC3E}">
+        <p14:creationId xmlns:p14="http://schemas.microsoft.com/office/powerpoint/2010/main" val="1248510285"/>
+      </p:ext>
+    </p:extLst>
+  </p:cSld>
+  <p:clrMapOvr>
+    <a:masterClrMapping/>
+  </p:clrMapOvr>
+</p:sld>
+</file>
+
+<file path=ppt/slides/slide19.xml><?xml version="1.0" encoding="utf-8"?>
 <p:sld xmlns:a="http://schemas.openxmlformats.org/drawingml/2006/main" xmlns:r="http://schemas.openxmlformats.org/officeDocument/2006/relationships" xmlns:p="http://schemas.openxmlformats.org/presentationml/2006/main">
   <p:cSld>
     <p:spTree>
@@ -10099,10 +9271,10 @@
               <a:buNone/>
             </a:pPr>
             <a:r>
-              <a:rPr lang="en"/>
-              <a:t>K8s Service</a:t>
-            </a:r>
-            <a:endParaRPr/>
+              <a:rPr lang="en" dirty="0" smtClean="0"/>
+              <a:t>Service</a:t>
+            </a:r>
+            <a:endParaRPr dirty="0"/>
           </a:p>
         </p:txBody>
       </p:sp>
@@ -10142,10 +9314,10 @@
               <a:buChar char="-"/>
             </a:pPr>
             <a:r>
-              <a:rPr lang="en"/>
+              <a:rPr lang="en" dirty="0"/>
               <a:t>Service discovery</a:t>
             </a:r>
-            <a:endParaRPr/>
+            <a:endParaRPr dirty="0"/>
           </a:p>
           <a:p>
             <a:pPr marL="457200" lvl="0" indent="-342900" algn="l" rtl="0">
@@ -10159,10 +9331,10 @@
               <a:buChar char="-"/>
             </a:pPr>
             <a:r>
-              <a:rPr lang="en"/>
+              <a:rPr lang="en" dirty="0"/>
               <a:t>Abstrakce přístupu k podům aplikace</a:t>
             </a:r>
-            <a:endParaRPr/>
+            <a:endParaRPr dirty="0"/>
           </a:p>
           <a:p>
             <a:pPr marL="457200" lvl="0" indent="-342900" algn="l" rtl="0">
@@ -10176,10 +9348,14 @@
               <a:buChar char="-"/>
             </a:pPr>
             <a:r>
-              <a:rPr lang="en"/>
-              <a:t>Load balancer</a:t>
-            </a:r>
-            <a:endParaRPr/>
+              <a:rPr lang="en" dirty="0" smtClean="0"/>
+              <a:t>Pody </a:t>
+            </a:r>
+            <a:r>
+              <a:rPr lang="en" dirty="0"/>
+              <a:t>jsou dočasné, Service je “na pořád”</a:t>
+            </a:r>
+            <a:endParaRPr dirty="0"/>
           </a:p>
           <a:p>
             <a:pPr marL="457200" lvl="0" indent="-342900" algn="l" rtl="0">
@@ -10193,10 +9369,10 @@
               <a:buChar char="-"/>
             </a:pPr>
             <a:r>
-              <a:rPr lang="en"/>
-              <a:t>Pody jsou dočasné, Service je “na pořád”</a:t>
-            </a:r>
-            <a:endParaRPr/>
+              <a:rPr lang="en" dirty="0"/>
+              <a:t>Cloud integrace</a:t>
+            </a:r>
+            <a:endParaRPr dirty="0"/>
           </a:p>
           <a:p>
             <a:pPr marL="457200" lvl="0" indent="-342900" algn="l" rtl="0">
@@ -10210,10 +9386,10 @@
               <a:buChar char="-"/>
             </a:pPr>
             <a:r>
-              <a:rPr lang="en"/>
-              <a:t>Cloud integrace</a:t>
-            </a:r>
-            <a:endParaRPr/>
+              <a:rPr lang="cs-CZ" dirty="0" smtClean="0"/>
+              <a:t>Vystavení externích služeb do clusteru</a:t>
+            </a:r>
+            <a:endParaRPr dirty="0"/>
           </a:p>
           <a:p>
             <a:pPr marL="457200" lvl="0" indent="-342900" algn="l" rtl="0">
@@ -10227,341 +9403,86 @@
               <a:buChar char="-"/>
             </a:pPr>
             <a:r>
-              <a:rPr lang="en"/>
-              <a:t>kubectl expose deployment nazev-vaseho-deploymentu</a:t>
-            </a:r>
-            <a:endParaRPr/>
-          </a:p>
-          <a:p>
-            <a:pPr marL="457200" lvl="0" indent="-342900" algn="l" rtl="0">
-              <a:spcBef>
-                <a:spcPts val="0"/>
-              </a:spcBef>
-              <a:spcAft>
-                <a:spcPts val="0"/>
-              </a:spcAft>
-              <a:buSzPts val="1800"/>
+              <a:rPr lang="cs-CZ" dirty="0" smtClean="0"/>
+              <a:t>Spousta typů: </a:t>
+            </a:r>
+            <a:r>
+              <a:rPr lang="cs-CZ" dirty="0" err="1" smtClean="0"/>
+              <a:t>Publishing</a:t>
+            </a:r>
+            <a:r>
+              <a:rPr lang="cs-CZ" dirty="0" smtClean="0"/>
+              <a:t>, </a:t>
+            </a:r>
+            <a:r>
+              <a:rPr lang="cs-CZ" dirty="0" err="1" smtClean="0"/>
+              <a:t>Headless</a:t>
+            </a:r>
+            <a:r>
+              <a:rPr lang="cs-CZ" dirty="0" smtClean="0"/>
+              <a:t>, </a:t>
+            </a:r>
+            <a:r>
+              <a:rPr lang="cs-CZ" dirty="0" err="1" smtClean="0"/>
+              <a:t>Discovering</a:t>
+            </a:r>
+            <a:r>
+              <a:rPr lang="cs-CZ" dirty="0" smtClean="0"/>
+              <a:t>,…</a:t>
+            </a:r>
+            <a:endParaRPr lang="cs-CZ" dirty="0" smtClean="0"/>
+          </a:p>
+          <a:p>
+            <a:pPr lvl="1">
+              <a:spcBef>
+                <a:spcPts val="0"/>
+              </a:spcBef>
               <a:buChar char="-"/>
             </a:pPr>
             <a:r>
-              <a:rPr lang="en"/>
-              <a:t>ku delete svc nazev-vaseho-deploymentu</a:t>
-            </a:r>
-            <a:endParaRPr/>
-          </a:p>
-          <a:p>
-            <a:pPr marL="457200" lvl="0" indent="-342900" algn="l" rtl="0">
-              <a:spcBef>
-                <a:spcPts val="0"/>
-              </a:spcBef>
-              <a:spcAft>
-                <a:spcPts val="0"/>
-              </a:spcAft>
-              <a:buSzPts val="1800"/>
+              <a:rPr lang="cs-CZ" dirty="0" err="1" smtClean="0"/>
+              <a:t>ClusterIP</a:t>
+            </a:r>
+            <a:endParaRPr lang="cs-CZ" dirty="0"/>
+          </a:p>
+          <a:p>
+            <a:pPr lvl="1">
+              <a:spcBef>
+                <a:spcPts val="0"/>
+              </a:spcBef>
               <a:buChar char="-"/>
             </a:pPr>
             <a:r>
-              <a:rPr lang="en"/>
-              <a:t>kubectl expose deployment muj-java-helloworld --type=NodePort</a:t>
-            </a:r>
-            <a:endParaRPr/>
-          </a:p>
-          <a:p>
-            <a:pPr marL="457200" lvl="0" indent="-342900" algn="l" rtl="0">
-              <a:spcBef>
-                <a:spcPts val="0"/>
-              </a:spcBef>
-              <a:spcAft>
-                <a:spcPts val="0"/>
-              </a:spcAft>
-              <a:buSzPts val="1800"/>
+              <a:rPr lang="cs-CZ" dirty="0" err="1" smtClean="0"/>
+              <a:t>NodePort</a:t>
+            </a:r>
+            <a:endParaRPr lang="cs-CZ" dirty="0"/>
+          </a:p>
+          <a:p>
+            <a:pPr lvl="1">
+              <a:spcBef>
+                <a:spcPts val="0"/>
+              </a:spcBef>
               <a:buChar char="-"/>
             </a:pPr>
             <a:r>
-              <a:rPr lang="en"/>
-              <a:t>Node port servicu lze volat curlem pomocí public IP workeru a náhodného portu servisy:</a:t>
-            </a:r>
-            <a:endParaRPr/>
-          </a:p>
-          <a:p>
-            <a:pPr marL="914400" lvl="1" indent="-317500" algn="l" rtl="0">
-              <a:spcBef>
-                <a:spcPts val="0"/>
-              </a:spcBef>
-              <a:spcAft>
-                <a:spcPts val="0"/>
-              </a:spcAft>
-              <a:buSzPts val="1400"/>
+              <a:rPr lang="cs-CZ" dirty="0" err="1" smtClean="0"/>
+              <a:t>LoadBalancer</a:t>
+            </a:r>
+            <a:endParaRPr lang="cs-CZ" dirty="0"/>
+          </a:p>
+          <a:p>
+            <a:pPr lvl="1">
+              <a:spcBef>
+                <a:spcPts val="0"/>
+              </a:spcBef>
               <a:buChar char="-"/>
             </a:pPr>
             <a:r>
-              <a:rPr lang="en"/>
-              <a:t>curl 207.154.234.220:nahodny-port</a:t>
-            </a:r>
-            <a:endParaRPr/>
-          </a:p>
-        </p:txBody>
-      </p:sp>
-    </p:spTree>
-  </p:cSld>
-  <p:clrMapOvr>
-    <a:masterClrMapping/>
-  </p:clrMapOvr>
-</p:sld>
-</file>
-
-<file path=ppt/slides/slide19.xml><?xml version="1.0" encoding="utf-8"?>
-<p:sld xmlns:a="http://schemas.openxmlformats.org/drawingml/2006/main" xmlns:r="http://schemas.openxmlformats.org/officeDocument/2006/relationships" xmlns:p="http://schemas.openxmlformats.org/presentationml/2006/main">
-  <p:cSld>
-    <p:spTree>
-      <p:nvGrpSpPr>
-        <p:cNvPr id="1" name="Shape 268"/>
-        <p:cNvGrpSpPr/>
-        <p:nvPr/>
-      </p:nvGrpSpPr>
-      <p:grpSpPr>
-        <a:xfrm>
-          <a:off x="0" y="0"/>
-          <a:ext cx="0" cy="0"/>
-          <a:chOff x="0" y="0"/>
-          <a:chExt cx="0" cy="0"/>
-        </a:xfrm>
-      </p:grpSpPr>
-      <p:sp>
-        <p:nvSpPr>
-          <p:cNvPr id="269" name="Google Shape;269;p37"/>
-          <p:cNvSpPr txBox="1">
-            <a:spLocks noGrp="1"/>
-          </p:cNvSpPr>
-          <p:nvPr>
-            <p:ph type="title"/>
-          </p:nvPr>
-        </p:nvSpPr>
-        <p:spPr>
-          <a:xfrm>
-            <a:off x="311700" y="445025"/>
-            <a:ext cx="8520600" cy="572700"/>
-          </a:xfrm>
-          <a:prstGeom prst="rect">
-            <a:avLst/>
-          </a:prstGeom>
-        </p:spPr>
-        <p:txBody>
-          <a:bodyPr spcFirstLastPara="1" wrap="square" lIns="91425" tIns="91425" rIns="91425" bIns="91425" anchor="t" anchorCtr="0">
-            <a:noAutofit/>
-          </a:bodyPr>
-          <a:lstStyle/>
-          <a:p>
-            <a:pPr marL="0" lvl="0" indent="0" algn="l" rtl="0">
-              <a:spcBef>
-                <a:spcPts val="0"/>
-              </a:spcBef>
-              <a:spcAft>
-                <a:spcPts val="0"/>
-              </a:spcAft>
-              <a:buNone/>
-            </a:pPr>
-            <a:r>
-              <a:rPr lang="en"/>
-              <a:t>K8s Ingress</a:t>
-            </a:r>
-            <a:endParaRPr/>
-          </a:p>
-        </p:txBody>
-      </p:sp>
-      <p:sp>
-        <p:nvSpPr>
-          <p:cNvPr id="270" name="Google Shape;270;p37"/>
-          <p:cNvSpPr txBox="1">
-            <a:spLocks noGrp="1"/>
-          </p:cNvSpPr>
-          <p:nvPr>
-            <p:ph type="body" idx="1"/>
-          </p:nvPr>
-        </p:nvSpPr>
-        <p:spPr>
-          <a:xfrm>
-            <a:off x="311700" y="1152475"/>
-            <a:ext cx="8520600" cy="3416400"/>
-          </a:xfrm>
-          <a:prstGeom prst="rect">
-            <a:avLst/>
-          </a:prstGeom>
-        </p:spPr>
-        <p:txBody>
-          <a:bodyPr spcFirstLastPara="1" wrap="square" lIns="91425" tIns="91425" rIns="91425" bIns="91425" anchor="t" anchorCtr="0">
-            <a:noAutofit/>
-          </a:bodyPr>
-          <a:lstStyle/>
-          <a:p>
-            <a:pPr marL="457200" lvl="0" indent="-342900" algn="l" rtl="0">
-              <a:spcBef>
-                <a:spcPts val="0"/>
-              </a:spcBef>
-              <a:spcAft>
-                <a:spcPts val="0"/>
-              </a:spcAft>
-              <a:buSzPts val="1800"/>
-              <a:buChar char="-"/>
-            </a:pPr>
-            <a:r>
-              <a:rPr lang="en"/>
-              <a:t>Správa externího přístupu ke službám v k8s cluster</a:t>
-            </a:r>
-            <a:endParaRPr/>
-          </a:p>
-          <a:p>
-            <a:pPr marL="457200" lvl="0" indent="-342900" algn="l" rtl="0">
-              <a:spcBef>
-                <a:spcPts val="0"/>
-              </a:spcBef>
-              <a:spcAft>
-                <a:spcPts val="0"/>
-              </a:spcAft>
-              <a:buSzPts val="1800"/>
-              <a:buChar char="-"/>
-            </a:pPr>
-            <a:r>
-              <a:rPr lang="en"/>
-              <a:t>Obvykle http</a:t>
-            </a:r>
-            <a:endParaRPr/>
-          </a:p>
-          <a:p>
-            <a:pPr marL="457200" lvl="0" indent="-342900" algn="l" rtl="0">
-              <a:spcBef>
-                <a:spcPts val="0"/>
-              </a:spcBef>
-              <a:spcAft>
-                <a:spcPts val="0"/>
-              </a:spcAft>
-              <a:buSzPts val="1800"/>
-              <a:buChar char="-"/>
-            </a:pPr>
-            <a:r>
-              <a:rPr lang="en"/>
-              <a:t>“Interface” který implementují ingress controllery</a:t>
-            </a:r>
-            <a:endParaRPr/>
-          </a:p>
-          <a:p>
-            <a:pPr marL="914400" lvl="1" indent="-317500" algn="l" rtl="0">
-              <a:spcBef>
-                <a:spcPts val="0"/>
-              </a:spcBef>
-              <a:spcAft>
-                <a:spcPts val="0"/>
-              </a:spcAft>
-              <a:buSzPts val="1400"/>
-              <a:buChar char="-"/>
-            </a:pPr>
-            <a:r>
-              <a:rPr lang="en"/>
-              <a:t>Nginx-ingress-controller</a:t>
-            </a:r>
-            <a:endParaRPr/>
-          </a:p>
-          <a:p>
-            <a:pPr marL="914400" lvl="1" indent="-317500" algn="l" rtl="0">
-              <a:spcBef>
-                <a:spcPts val="0"/>
-              </a:spcBef>
-              <a:spcAft>
-                <a:spcPts val="0"/>
-              </a:spcAft>
-              <a:buSzPts val="1400"/>
-              <a:buChar char="-"/>
-            </a:pPr>
-            <a:r>
-              <a:rPr lang="en"/>
-              <a:t>Traefik</a:t>
-            </a:r>
-            <a:endParaRPr/>
-          </a:p>
-          <a:p>
-            <a:pPr marL="914400" lvl="1" indent="-317500" algn="l" rtl="0">
-              <a:spcBef>
-                <a:spcPts val="0"/>
-              </a:spcBef>
-              <a:spcAft>
-                <a:spcPts val="0"/>
-              </a:spcAft>
-              <a:buSzPts val="1400"/>
-              <a:buChar char="-"/>
-            </a:pPr>
-            <a:r>
-              <a:rPr lang="en"/>
-              <a:t>Haproxy</a:t>
-            </a:r>
-            <a:endParaRPr/>
-          </a:p>
-          <a:p>
-            <a:pPr marL="914400" lvl="1" indent="-317500" algn="l" rtl="0">
-              <a:spcBef>
-                <a:spcPts val="0"/>
-              </a:spcBef>
-              <a:spcAft>
-                <a:spcPts val="0"/>
-              </a:spcAft>
-              <a:buSzPts val="1400"/>
-              <a:buChar char="-"/>
-            </a:pPr>
-            <a:r>
-              <a:rPr lang="en"/>
-              <a:t>Contour</a:t>
-            </a:r>
-            <a:endParaRPr/>
-          </a:p>
-          <a:p>
-            <a:pPr marL="457200" lvl="0" indent="-342900" algn="l" rtl="0">
-              <a:spcBef>
-                <a:spcPts val="0"/>
-              </a:spcBef>
-              <a:spcAft>
-                <a:spcPts val="0"/>
-              </a:spcAft>
-              <a:buSzPts val="1800"/>
-              <a:buChar char="-"/>
-            </a:pPr>
-            <a:r>
-              <a:rPr lang="en"/>
-              <a:t>Demo</a:t>
-            </a:r>
-            <a:endParaRPr/>
-          </a:p>
-          <a:p>
-            <a:pPr marL="914400" lvl="1" indent="-317500" algn="l" rtl="0">
-              <a:spcBef>
-                <a:spcPts val="0"/>
-              </a:spcBef>
-              <a:spcAft>
-                <a:spcPts val="0"/>
-              </a:spcAft>
-              <a:buSzPts val="1400"/>
-              <a:buChar char="-"/>
-            </a:pPr>
-            <a:r>
-              <a:rPr lang="en"/>
-              <a:t>Nginx-ingress-controller</a:t>
-            </a:r>
-            <a:endParaRPr/>
-          </a:p>
-          <a:p>
-            <a:pPr marL="914400" lvl="1" indent="-317500" algn="l" rtl="0">
-              <a:spcBef>
-                <a:spcPts val="0"/>
-              </a:spcBef>
-              <a:spcAft>
-                <a:spcPts val="0"/>
-              </a:spcAft>
-              <a:buSzPts val="1400"/>
-              <a:buChar char="-"/>
-            </a:pPr>
-            <a:r>
-              <a:rPr lang="en"/>
-              <a:t>Cert-manager, TLS</a:t>
-            </a:r>
-            <a:endParaRPr/>
+              <a:rPr lang="cs-CZ" dirty="0" err="1" smtClean="0"/>
+              <a:t>ExternalName</a:t>
+            </a:r>
+            <a:endParaRPr lang="cs-CZ" dirty="0"/>
           </a:p>
         </p:txBody>
       </p:sp>
@@ -10821,7 +9742,7 @@
   <p:cSld>
     <p:spTree>
       <p:nvGrpSpPr>
-        <p:cNvPr id="1" name="Shape 274"/>
+        <p:cNvPr id="1" name="Shape 268"/>
         <p:cNvGrpSpPr/>
         <p:nvPr/>
       </p:nvGrpSpPr>
@@ -10835,7 +9756,7 @@
       </p:grpSpPr>
       <p:sp>
         <p:nvSpPr>
-          <p:cNvPr id="275" name="Google Shape;275;p38"/>
+          <p:cNvPr id="269" name="Google Shape;269;p37"/>
           <p:cNvSpPr txBox="1">
             <a:spLocks noGrp="1"/>
           </p:cNvSpPr>
@@ -10868,16 +9789,16 @@
               <a:buNone/>
             </a:pPr>
             <a:r>
-              <a:rPr lang="en"/>
-              <a:t>Nginx demo</a:t>
-            </a:r>
-            <a:endParaRPr/>
+              <a:rPr lang="en" dirty="0" smtClean="0"/>
+              <a:t>Ingress</a:t>
+            </a:r>
+            <a:endParaRPr dirty="0"/>
           </a:p>
         </p:txBody>
       </p:sp>
       <p:sp>
         <p:nvSpPr>
-          <p:cNvPr id="276" name="Google Shape;276;p38"/>
+          <p:cNvPr id="270" name="Google Shape;270;p37"/>
           <p:cNvSpPr txBox="1">
             <a:spLocks noGrp="1"/>
           </p:cNvSpPr>
@@ -10911,10 +9832,18 @@
               <a:buChar char="-"/>
             </a:pPr>
             <a:r>
-              <a:rPr lang="en"/>
-              <a:t>IP adresa load balanceru na DO: 159.89.212.46</a:t>
-            </a:r>
-            <a:endParaRPr/>
+              <a:rPr lang="en" dirty="0"/>
+              <a:t>Správa externího přístupu ke službám v </a:t>
+            </a:r>
+            <a:r>
+              <a:rPr lang="en" dirty="0" smtClean="0"/>
+              <a:t>cluster</a:t>
+            </a:r>
+            <a:r>
+              <a:rPr lang="cs-CZ" dirty="0"/>
+              <a:t>u</a:t>
+            </a:r>
+            <a:endParaRPr dirty="0"/>
           </a:p>
           <a:p>
             <a:pPr marL="457200" lvl="0" indent="-342900" algn="l" rtl="0">
@@ -10928,10 +9857,14 @@
               <a:buChar char="-"/>
             </a:pPr>
             <a:r>
-              <a:rPr lang="en"/>
-              <a:t>DNS záznamy ve tvaru *.app.k8skoleni.cz se prekladaji na adresu load balanceru</a:t>
-            </a:r>
-            <a:endParaRPr/>
+              <a:rPr lang="en" dirty="0"/>
+              <a:t>Obvykle </a:t>
+            </a:r>
+            <a:r>
+              <a:rPr lang="en" dirty="0" smtClean="0"/>
+              <a:t>http</a:t>
+            </a:r>
+            <a:endParaRPr lang="cs-CZ" dirty="0" smtClean="0"/>
           </a:p>
           <a:p>
             <a:pPr marL="457200" lvl="0" indent="-342900" algn="l" rtl="0">
@@ -10945,53 +9878,141 @@
               <a:buChar char="-"/>
             </a:pPr>
             <a:r>
-              <a:rPr lang="en"/>
-              <a:t>Vytvořit ingress </a:t>
-            </a:r>
-            <a:r>
-              <a:rPr lang="en" u="sng">
-                <a:solidFill>
-                  <a:schemeClr val="hlink"/>
-                </a:solidFill>
-                <a:hlinkClick r:id="rId3"/>
-              </a:rPr>
-              <a:t>https://github.com/stibi/k8s-skoleni/blob/master/echo_ingress.yaml</a:t>
-            </a:r>
-            <a:endParaRPr/>
-          </a:p>
-          <a:p>
-            <a:pPr marL="457200" lvl="0" indent="-342900" algn="l" rtl="0">
-              <a:spcBef>
-                <a:spcPts val="0"/>
-              </a:spcBef>
-              <a:spcAft>
-                <a:spcPts val="0"/>
-              </a:spcAft>
-              <a:buSzPts val="1800"/>
+              <a:rPr lang="en" dirty="0" smtClean="0"/>
+              <a:t>“</a:t>
+            </a:r>
+            <a:r>
+              <a:rPr lang="en" dirty="0"/>
+              <a:t>Interface” který implementují </a:t>
+            </a:r>
+            <a:r>
+              <a:rPr lang="cs-CZ" dirty="0" smtClean="0"/>
+              <a:t>I</a:t>
+            </a:r>
+            <a:r>
+              <a:rPr lang="en" dirty="0" smtClean="0"/>
+              <a:t>ngress </a:t>
+            </a:r>
+            <a:r>
+              <a:rPr lang="cs-CZ" dirty="0" smtClean="0"/>
+              <a:t>C</a:t>
+            </a:r>
+            <a:r>
+              <a:rPr lang="en" dirty="0" smtClean="0"/>
+              <a:t>ontrollery</a:t>
+            </a:r>
+            <a:endParaRPr dirty="0"/>
+          </a:p>
+          <a:p>
+            <a:pPr marL="914400" lvl="1" indent="-317500" algn="l" rtl="0">
+              <a:spcBef>
+                <a:spcPts val="0"/>
+              </a:spcBef>
+              <a:spcAft>
+                <a:spcPts val="0"/>
+              </a:spcAft>
+              <a:buSzPts val="1400"/>
               <a:buChar char="-"/>
             </a:pPr>
             <a:r>
-              <a:rPr lang="en"/>
-              <a:t>kubectl exec -ti k8skoleni-ingress-nginx-controller-6c79994499-qcx5k /bin/bash</a:t>
-            </a:r>
-            <a:endParaRPr/>
-          </a:p>
-          <a:p>
-            <a:pPr marL="457200" lvl="0" indent="-342900" algn="l" rtl="0">
-              <a:spcBef>
-                <a:spcPts val="0"/>
-              </a:spcBef>
-              <a:spcAft>
-                <a:spcPts val="0"/>
-              </a:spcAft>
-              <a:buSzPts val="1800"/>
+              <a:rPr lang="en" dirty="0"/>
+              <a:t>Nginx-ingress-controller</a:t>
+            </a:r>
+            <a:endParaRPr dirty="0"/>
+          </a:p>
+          <a:p>
+            <a:pPr marL="914400" lvl="1" indent="-317500" algn="l" rtl="0">
+              <a:spcBef>
+                <a:spcPts val="0"/>
+              </a:spcBef>
+              <a:spcAft>
+                <a:spcPts val="0"/>
+              </a:spcAft>
+              <a:buSzPts val="1400"/>
               <a:buChar char="-"/>
             </a:pPr>
             <a:r>
-              <a:rPr lang="en"/>
-              <a:t>kubectl cp k8skoleni-ingress-nginx-controller-6c79994499-qcx5k:/etc/nginx/nginx.conf ~/nginx.conf</a:t>
-            </a:r>
-            <a:endParaRPr/>
+              <a:rPr lang="en" dirty="0"/>
+              <a:t>Traefik</a:t>
+            </a:r>
+            <a:endParaRPr dirty="0"/>
+          </a:p>
+          <a:p>
+            <a:pPr marL="914400" lvl="1" indent="-317500" algn="l" rtl="0">
+              <a:spcBef>
+                <a:spcPts val="0"/>
+              </a:spcBef>
+              <a:spcAft>
+                <a:spcPts val="0"/>
+              </a:spcAft>
+              <a:buSzPts val="1400"/>
+              <a:buChar char="-"/>
+            </a:pPr>
+            <a:r>
+              <a:rPr lang="en" dirty="0"/>
+              <a:t>Haproxy</a:t>
+            </a:r>
+            <a:endParaRPr dirty="0"/>
+          </a:p>
+          <a:p>
+            <a:pPr marL="914400" lvl="1" indent="-317500" algn="l" rtl="0">
+              <a:spcBef>
+                <a:spcPts val="0"/>
+              </a:spcBef>
+              <a:spcAft>
+                <a:spcPts val="0"/>
+              </a:spcAft>
+              <a:buSzPts val="1400"/>
+              <a:buChar char="-"/>
+            </a:pPr>
+            <a:r>
+              <a:rPr lang="en" dirty="0" smtClean="0"/>
+              <a:t>Contour</a:t>
+            </a:r>
+            <a:endParaRPr lang="cs-CZ" dirty="0" smtClean="0"/>
+          </a:p>
+          <a:p>
+            <a:pPr indent="-317500">
+              <a:buSzPts val="1400"/>
+              <a:buChar char="-"/>
+            </a:pPr>
+            <a:r>
+              <a:rPr lang="cs-CZ" dirty="0" smtClean="0"/>
+              <a:t>V </a:t>
+            </a:r>
+            <a:r>
+              <a:rPr lang="cs-CZ" dirty="0" err="1" smtClean="0"/>
+              <a:t>cloudu</a:t>
+            </a:r>
+            <a:r>
+              <a:rPr lang="cs-CZ" dirty="0" smtClean="0"/>
+              <a:t> šetří peníze – </a:t>
+            </a:r>
+            <a:r>
+              <a:rPr lang="cs-CZ" dirty="0" err="1" smtClean="0"/>
+              <a:t>load</a:t>
+            </a:r>
+            <a:r>
+              <a:rPr lang="cs-CZ" dirty="0" smtClean="0"/>
+              <a:t> </a:t>
+            </a:r>
+            <a:r>
+              <a:rPr lang="cs-CZ" dirty="0" err="1" smtClean="0"/>
+              <a:t>balancery</a:t>
+            </a:r>
+            <a:r>
+              <a:rPr lang="cs-CZ" dirty="0" smtClean="0"/>
+              <a:t>, public </a:t>
+            </a:r>
+            <a:r>
+              <a:rPr lang="cs-CZ" dirty="0" err="1" smtClean="0"/>
+              <a:t>ip</a:t>
+            </a:r>
+            <a:r>
+              <a:rPr lang="cs-CZ" dirty="0" smtClean="0"/>
+              <a:t> adresy</a:t>
+            </a:r>
+            <a:endParaRPr dirty="0"/>
           </a:p>
         </p:txBody>
       </p:sp>
@@ -11008,7 +10029,7 @@
   <p:cSld>
     <p:spTree>
       <p:nvGrpSpPr>
-        <p:cNvPr id="1" name="Shape 280"/>
+        <p:cNvPr id="1" name=""/>
         <p:cNvGrpSpPr/>
         <p:nvPr/>
       </p:nvGrpSpPr>
@@ -11022,125 +10043,45 @@
       </p:grpSpPr>
       <p:sp>
         <p:nvSpPr>
-          <p:cNvPr id="281" name="Google Shape;281;p39"/>
-          <p:cNvSpPr txBox="1">
+          <p:cNvPr id="4" name="Nadpis 3"/>
+          <p:cNvSpPr>
             <a:spLocks noGrp="1"/>
           </p:cNvSpPr>
           <p:nvPr>
             <p:ph type="title"/>
           </p:nvPr>
         </p:nvSpPr>
-        <p:spPr>
-          <a:xfrm>
-            <a:off x="311700" y="445025"/>
-            <a:ext cx="8520600" cy="572700"/>
-          </a:xfrm>
-          <a:prstGeom prst="rect">
-            <a:avLst/>
-          </a:prstGeom>
-        </p:spPr>
+        <p:spPr/>
         <p:txBody>
-          <a:bodyPr spcFirstLastPara="1" wrap="square" lIns="91425" tIns="91425" rIns="91425" bIns="91425" anchor="t" anchorCtr="0">
-            <a:noAutofit/>
-          </a:bodyPr>
+          <a:bodyPr/>
           <a:lstStyle/>
           <a:p>
-            <a:pPr marL="0" lvl="0" indent="0" algn="l" rtl="0">
-              <a:spcBef>
-                <a:spcPts val="0"/>
-              </a:spcBef>
-              <a:spcAft>
-                <a:spcPts val="0"/>
-              </a:spcAft>
-              <a:buNone/>
-            </a:pPr>
-            <a:r>
-              <a:rPr lang="en"/>
-              <a:t>kube-ops-view</a:t>
-            </a:r>
-            <a:endParaRPr/>
-          </a:p>
-        </p:txBody>
-      </p:sp>
-      <p:sp>
-        <p:nvSpPr>
-          <p:cNvPr id="282" name="Google Shape;282;p39"/>
-          <p:cNvSpPr txBox="1">
-            <a:spLocks noGrp="1"/>
-          </p:cNvSpPr>
-          <p:nvPr>
-            <p:ph type="body" idx="1"/>
-          </p:nvPr>
-        </p:nvSpPr>
-        <p:spPr>
-          <a:xfrm>
-            <a:off x="311700" y="1152475"/>
-            <a:ext cx="8520600" cy="3416400"/>
-          </a:xfrm>
-          <a:prstGeom prst="rect">
-            <a:avLst/>
-          </a:prstGeom>
-        </p:spPr>
-        <p:txBody>
-          <a:bodyPr spcFirstLastPara="1" wrap="square" lIns="91425" tIns="91425" rIns="91425" bIns="91425" anchor="t" anchorCtr="0">
-            <a:noAutofit/>
-          </a:bodyPr>
-          <a:lstStyle/>
-          <a:p>
-            <a:pPr marL="457200" lvl="0" indent="-342900" algn="l" rtl="0">
-              <a:spcBef>
-                <a:spcPts val="0"/>
-              </a:spcBef>
-              <a:spcAft>
-                <a:spcPts val="0"/>
-              </a:spcAft>
-              <a:buSzPts val="1800"/>
-              <a:buChar char="-"/>
-            </a:pPr>
-            <a:r>
-              <a:rPr lang="en" u="sng">
-                <a:solidFill>
-                  <a:schemeClr val="hlink"/>
-                </a:solidFill>
-                <a:hlinkClick r:id="rId3"/>
-              </a:rPr>
-              <a:t>https://codeberg.org/hjacobs/kube-ops-view</a:t>
-            </a:r>
-            <a:endParaRPr/>
-          </a:p>
-          <a:p>
-            <a:pPr marL="457200" lvl="0" indent="-342900" algn="l" rtl="0">
-              <a:spcBef>
-                <a:spcPts val="0"/>
-              </a:spcBef>
-              <a:spcAft>
-                <a:spcPts val="0"/>
-              </a:spcAft>
-              <a:buSzPts val="1800"/>
-              <a:buChar char="-"/>
-            </a:pPr>
-            <a:r>
-              <a:rPr lang="en"/>
-              <a:t>kubectl port-forward service/kube-ops-view 8080:80</a:t>
-            </a:r>
-            <a:endParaRPr/>
-          </a:p>
-          <a:p>
-            <a:pPr marL="457200" lvl="0" indent="-342900" algn="l" rtl="0">
-              <a:spcBef>
-                <a:spcPts val="0"/>
-              </a:spcBef>
-              <a:spcAft>
-                <a:spcPts val="0"/>
-              </a:spcAft>
-              <a:buSzPts val="1800"/>
-              <a:buChar char="-"/>
-            </a:pPr>
-            <a:endParaRPr/>
+            <a:r>
+              <a:rPr lang="cs-CZ" dirty="0" smtClean="0"/>
+              <a:t>Demo – </a:t>
+            </a:r>
+            <a:r>
+              <a:rPr lang="cs-CZ" dirty="0" err="1" smtClean="0"/>
+              <a:t>Service</a:t>
+            </a:r>
+            <a:r>
+              <a:rPr lang="cs-CZ" dirty="0" smtClean="0"/>
+              <a:t>, </a:t>
+            </a:r>
+            <a:r>
+              <a:rPr lang="cs-CZ" dirty="0" err="1" smtClean="0"/>
+              <a:t>Ingress</a:t>
+            </a:r>
+            <a:endParaRPr lang="cs-CZ" dirty="0"/>
           </a:p>
         </p:txBody>
       </p:sp>
     </p:spTree>
+    <p:extLst>
+      <p:ext uri="{BB962C8B-B14F-4D97-AF65-F5344CB8AC3E}">
+        <p14:creationId xmlns:p14="http://schemas.microsoft.com/office/powerpoint/2010/main" val="1525453233"/>
+      </p:ext>
+    </p:extLst>
   </p:cSld>
   <p:clrMapOvr>
     <a:masterClrMapping/>
@@ -11490,7 +10431,7 @@
               <a:buChar char="-"/>
             </a:pPr>
             <a:r>
-              <a:rPr lang="en" u="sng">
+              <a:rPr lang="en" u="sng" dirty="0">
                 <a:solidFill>
                   <a:schemeClr val="hlink"/>
                 </a:solidFill>
@@ -11498,7 +10439,7 @@
               </a:rPr>
               <a:t>https://kustomize.io/</a:t>
             </a:r>
-            <a:endParaRPr/>
+            <a:endParaRPr dirty="0"/>
           </a:p>
           <a:p>
             <a:pPr marL="457200" lvl="0" indent="-342900" algn="l" rtl="0">
@@ -11512,7 +10453,7 @@
               <a:buChar char="-"/>
             </a:pPr>
             <a:r>
-              <a:rPr lang="en" u="sng">
+              <a:rPr lang="en" u="sng" dirty="0">
                 <a:solidFill>
                   <a:schemeClr val="hlink"/>
                 </a:solidFill>
@@ -11520,7 +10461,7 @@
               </a:rPr>
               <a:t>https://www.pulumi.com/</a:t>
             </a:r>
-            <a:endParaRPr/>
+            <a:endParaRPr dirty="0"/>
           </a:p>
           <a:p>
             <a:pPr marL="457200" lvl="0" indent="-342900" algn="l" rtl="0">
@@ -11534,10 +10475,31 @@
               <a:buChar char="-"/>
             </a:pPr>
             <a:r>
-              <a:rPr lang="en"/>
-              <a:t>https://registry.terraform.io/providers/hashicorp/kubernetes/latest/docs</a:t>
-            </a:r>
-            <a:endParaRPr/>
+              <a:rPr lang="en" dirty="0">
+                <a:hlinkClick r:id="rId5"/>
+              </a:rPr>
+              <a:t>https://</a:t>
+            </a:r>
+            <a:r>
+              <a:rPr lang="en" dirty="0" smtClean="0">
+                <a:hlinkClick r:id="rId5"/>
+              </a:rPr>
+              <a:t>registry.terraform.io/providers/hashicorp/kubernetes/latest/docs</a:t>
+            </a:r>
+            <a:endParaRPr lang="cs-CZ" dirty="0" smtClean="0"/>
+          </a:p>
+          <a:p>
+            <a:pPr marL="457200" lvl="0" indent="-342900" algn="l" rtl="0">
+              <a:spcBef>
+                <a:spcPts val="0"/>
+              </a:spcBef>
+              <a:spcAft>
+                <a:spcPts val="0"/>
+              </a:spcAft>
+              <a:buSzPts val="1800"/>
+              <a:buChar char="-"/>
+            </a:pPr>
+            <a:endParaRPr dirty="0"/>
           </a:p>
         </p:txBody>
       </p:sp>
@@ -11550,616 +10512,6 @@
 </file>
 
 <file path=ppt/slides/slide24.xml><?xml version="1.0" encoding="utf-8"?>
-<p:sld xmlns:a="http://schemas.openxmlformats.org/drawingml/2006/main" xmlns:r="http://schemas.openxmlformats.org/officeDocument/2006/relationships" xmlns:p="http://schemas.openxmlformats.org/presentationml/2006/main">
-  <p:cSld>
-    <p:spTree>
-      <p:nvGrpSpPr>
-        <p:cNvPr id="1" name="Shape 298"/>
-        <p:cNvGrpSpPr/>
-        <p:nvPr/>
-      </p:nvGrpSpPr>
-      <p:grpSpPr>
-        <a:xfrm>
-          <a:off x="0" y="0"/>
-          <a:ext cx="0" cy="0"/>
-          <a:chOff x="0" y="0"/>
-          <a:chExt cx="0" cy="0"/>
-        </a:xfrm>
-      </p:grpSpPr>
-      <p:sp>
-        <p:nvSpPr>
-          <p:cNvPr id="299" name="Google Shape;299;p42"/>
-          <p:cNvSpPr txBox="1">
-            <a:spLocks noGrp="1"/>
-          </p:cNvSpPr>
-          <p:nvPr>
-            <p:ph type="title"/>
-          </p:nvPr>
-        </p:nvSpPr>
-        <p:spPr>
-          <a:xfrm>
-            <a:off x="311700" y="445025"/>
-            <a:ext cx="8520600" cy="572700"/>
-          </a:xfrm>
-          <a:prstGeom prst="rect">
-            <a:avLst/>
-          </a:prstGeom>
-        </p:spPr>
-        <p:txBody>
-          <a:bodyPr spcFirstLastPara="1" wrap="square" lIns="91425" tIns="91425" rIns="91425" bIns="91425" anchor="t" anchorCtr="0">
-            <a:noAutofit/>
-          </a:bodyPr>
-          <a:lstStyle/>
-          <a:p>
-            <a:pPr marL="0" lvl="0" indent="0" algn="l" rtl="0">
-              <a:spcBef>
-                <a:spcPts val="0"/>
-              </a:spcBef>
-              <a:spcAft>
-                <a:spcPts val="0"/>
-              </a:spcAft>
-              <a:buNone/>
-            </a:pPr>
-            <a:r>
-              <a:rPr lang="en"/>
-              <a:t>K8s ReplicaSet</a:t>
-            </a:r>
-            <a:endParaRPr/>
-          </a:p>
-        </p:txBody>
-      </p:sp>
-      <p:sp>
-        <p:nvSpPr>
-          <p:cNvPr id="300" name="Google Shape;300;p42"/>
-          <p:cNvSpPr txBox="1">
-            <a:spLocks noGrp="1"/>
-          </p:cNvSpPr>
-          <p:nvPr>
-            <p:ph type="body" idx="1"/>
-          </p:nvPr>
-        </p:nvSpPr>
-        <p:spPr>
-          <a:xfrm>
-            <a:off x="311700" y="1152475"/>
-            <a:ext cx="8520600" cy="3416400"/>
-          </a:xfrm>
-          <a:prstGeom prst="rect">
-            <a:avLst/>
-          </a:prstGeom>
-        </p:spPr>
-        <p:txBody>
-          <a:bodyPr spcFirstLastPara="1" wrap="square" lIns="91425" tIns="91425" rIns="91425" bIns="91425" anchor="t" anchorCtr="0">
-            <a:noAutofit/>
-          </a:bodyPr>
-          <a:lstStyle/>
-          <a:p>
-            <a:pPr marL="457200" lvl="0" indent="-342900" algn="l" rtl="0">
-              <a:spcBef>
-                <a:spcPts val="0"/>
-              </a:spcBef>
-              <a:spcAft>
-                <a:spcPts val="0"/>
-              </a:spcAft>
-              <a:buSzPts val="1800"/>
-              <a:buChar char="-"/>
-            </a:pPr>
-            <a:r>
-              <a:rPr lang="en"/>
-              <a:t>Udržuje daný počet běžících podů (replicas)</a:t>
-            </a:r>
-            <a:endParaRPr/>
-          </a:p>
-          <a:p>
-            <a:pPr marL="457200" lvl="0" indent="-342900" algn="l" rtl="0">
-              <a:spcBef>
-                <a:spcPts val="0"/>
-              </a:spcBef>
-              <a:spcAft>
-                <a:spcPts val="0"/>
-              </a:spcAft>
-              <a:buSzPts val="1800"/>
-              <a:buChar char="-"/>
-            </a:pPr>
-            <a:r>
-              <a:rPr lang="en"/>
-              <a:t>Málokdy se používá samostatně</a:t>
-            </a:r>
-            <a:endParaRPr/>
-          </a:p>
-          <a:p>
-            <a:pPr marL="457200" lvl="0" indent="-342900" algn="l" rtl="0">
-              <a:spcBef>
-                <a:spcPts val="0"/>
-              </a:spcBef>
-              <a:spcAft>
-                <a:spcPts val="0"/>
-              </a:spcAft>
-              <a:buSzPts val="1800"/>
-              <a:buChar char="-"/>
-            </a:pPr>
-            <a:r>
-              <a:rPr lang="en"/>
-              <a:t>Interně v Deploymentu</a:t>
-            </a:r>
-            <a:endParaRPr/>
-          </a:p>
-        </p:txBody>
-      </p:sp>
-    </p:spTree>
-  </p:cSld>
-  <p:clrMapOvr>
-    <a:masterClrMapping/>
-  </p:clrMapOvr>
-</p:sld>
-</file>
-
-<file path=ppt/slides/slide25.xml><?xml version="1.0" encoding="utf-8"?>
-<p:sld xmlns:a="http://schemas.openxmlformats.org/drawingml/2006/main" xmlns:r="http://schemas.openxmlformats.org/officeDocument/2006/relationships" xmlns:p="http://schemas.openxmlformats.org/presentationml/2006/main">
-  <p:cSld>
-    <p:spTree>
-      <p:nvGrpSpPr>
-        <p:cNvPr id="1" name="Shape 304"/>
-        <p:cNvGrpSpPr/>
-        <p:nvPr/>
-      </p:nvGrpSpPr>
-      <p:grpSpPr>
-        <a:xfrm>
-          <a:off x="0" y="0"/>
-          <a:ext cx="0" cy="0"/>
-          <a:chOff x="0" y="0"/>
-          <a:chExt cx="0" cy="0"/>
-        </a:xfrm>
-      </p:grpSpPr>
-      <p:sp>
-        <p:nvSpPr>
-          <p:cNvPr id="305" name="Google Shape;305;p43"/>
-          <p:cNvSpPr txBox="1">
-            <a:spLocks noGrp="1"/>
-          </p:cNvSpPr>
-          <p:nvPr>
-            <p:ph type="title"/>
-          </p:nvPr>
-        </p:nvSpPr>
-        <p:spPr>
-          <a:xfrm>
-            <a:off x="311700" y="445025"/>
-            <a:ext cx="8520600" cy="572700"/>
-          </a:xfrm>
-          <a:prstGeom prst="rect">
-            <a:avLst/>
-          </a:prstGeom>
-        </p:spPr>
-        <p:txBody>
-          <a:bodyPr spcFirstLastPara="1" wrap="square" lIns="91425" tIns="91425" rIns="91425" bIns="91425" anchor="t" anchorCtr="0">
-            <a:noAutofit/>
-          </a:bodyPr>
-          <a:lstStyle/>
-          <a:p>
-            <a:pPr marL="0" lvl="0" indent="0" algn="l" rtl="0">
-              <a:spcBef>
-                <a:spcPts val="0"/>
-              </a:spcBef>
-              <a:spcAft>
-                <a:spcPts val="0"/>
-              </a:spcAft>
-              <a:buNone/>
-            </a:pPr>
-            <a:r>
-              <a:rPr lang="en"/>
-              <a:t>K8s DaemonSet</a:t>
-            </a:r>
-            <a:endParaRPr/>
-          </a:p>
-        </p:txBody>
-      </p:sp>
-      <p:sp>
-        <p:nvSpPr>
-          <p:cNvPr id="306" name="Google Shape;306;p43"/>
-          <p:cNvSpPr txBox="1">
-            <a:spLocks noGrp="1"/>
-          </p:cNvSpPr>
-          <p:nvPr>
-            <p:ph type="body" idx="1"/>
-          </p:nvPr>
-        </p:nvSpPr>
-        <p:spPr>
-          <a:xfrm>
-            <a:off x="311700" y="1152475"/>
-            <a:ext cx="8520600" cy="3416400"/>
-          </a:xfrm>
-          <a:prstGeom prst="rect">
-            <a:avLst/>
-          </a:prstGeom>
-        </p:spPr>
-        <p:txBody>
-          <a:bodyPr spcFirstLastPara="1" wrap="square" lIns="91425" tIns="91425" rIns="91425" bIns="91425" anchor="t" anchorCtr="0">
-            <a:noAutofit/>
-          </a:bodyPr>
-          <a:lstStyle/>
-          <a:p>
-            <a:pPr marL="457200" lvl="0" indent="-342900" algn="l" rtl="0">
-              <a:spcBef>
-                <a:spcPts val="0"/>
-              </a:spcBef>
-              <a:spcAft>
-                <a:spcPts val="0"/>
-              </a:spcAft>
-              <a:buSzPts val="1800"/>
-              <a:buChar char="-"/>
-            </a:pPr>
-            <a:r>
-              <a:rPr lang="en"/>
-              <a:t>Zajistí, že každá node clusteru má běžící kopii podu</a:t>
-            </a:r>
-            <a:endParaRPr/>
-          </a:p>
-          <a:p>
-            <a:pPr marL="457200" lvl="0" indent="-342900" algn="l" rtl="0">
-              <a:spcBef>
-                <a:spcPts val="0"/>
-              </a:spcBef>
-              <a:spcAft>
-                <a:spcPts val="0"/>
-              </a:spcAft>
-              <a:buSzPts val="1800"/>
-              <a:buChar char="-"/>
-            </a:pPr>
-            <a:r>
-              <a:rPr lang="en"/>
-              <a:t>Každá nová node dostane novou kopii podu</a:t>
-            </a:r>
-            <a:endParaRPr/>
-          </a:p>
-          <a:p>
-            <a:pPr marL="457200" lvl="0" indent="-342900" algn="l" rtl="0">
-              <a:spcBef>
-                <a:spcPts val="0"/>
-              </a:spcBef>
-              <a:spcAft>
-                <a:spcPts val="0"/>
-              </a:spcAft>
-              <a:buSzPts val="1800"/>
-              <a:buChar char="-"/>
-            </a:pPr>
-            <a:r>
-              <a:rPr lang="en"/>
-              <a:t>Pody po smazané node jsou uklizeny</a:t>
-            </a:r>
-            <a:endParaRPr/>
-          </a:p>
-          <a:p>
-            <a:pPr marL="457200" lvl="0" indent="-342900" algn="l" rtl="0">
-              <a:spcBef>
-                <a:spcPts val="0"/>
-              </a:spcBef>
-              <a:spcAft>
-                <a:spcPts val="0"/>
-              </a:spcAft>
-              <a:buSzPts val="1800"/>
-              <a:buChar char="-"/>
-            </a:pPr>
-            <a:r>
-              <a:rPr lang="en"/>
-              <a:t>Použití: Addony, monitoring, log colletion</a:t>
-            </a:r>
-            <a:endParaRPr/>
-          </a:p>
-        </p:txBody>
-      </p:sp>
-    </p:spTree>
-  </p:cSld>
-  <p:clrMapOvr>
-    <a:masterClrMapping/>
-  </p:clrMapOvr>
-</p:sld>
-</file>
-
-<file path=ppt/slides/slide26.xml><?xml version="1.0" encoding="utf-8"?>
-<p:sld xmlns:a="http://schemas.openxmlformats.org/drawingml/2006/main" xmlns:r="http://schemas.openxmlformats.org/officeDocument/2006/relationships" xmlns:p="http://schemas.openxmlformats.org/presentationml/2006/main">
-  <p:cSld>
-    <p:spTree>
-      <p:nvGrpSpPr>
-        <p:cNvPr id="1" name="Shape 310"/>
-        <p:cNvGrpSpPr/>
-        <p:nvPr/>
-      </p:nvGrpSpPr>
-      <p:grpSpPr>
-        <a:xfrm>
-          <a:off x="0" y="0"/>
-          <a:ext cx="0" cy="0"/>
-          <a:chOff x="0" y="0"/>
-          <a:chExt cx="0" cy="0"/>
-        </a:xfrm>
-      </p:grpSpPr>
-      <p:sp>
-        <p:nvSpPr>
-          <p:cNvPr id="311" name="Google Shape;311;p44"/>
-          <p:cNvSpPr txBox="1">
-            <a:spLocks noGrp="1"/>
-          </p:cNvSpPr>
-          <p:nvPr>
-            <p:ph type="title"/>
-          </p:nvPr>
-        </p:nvSpPr>
-        <p:spPr>
-          <a:xfrm>
-            <a:off x="311700" y="445025"/>
-            <a:ext cx="8520600" cy="572700"/>
-          </a:xfrm>
-          <a:prstGeom prst="rect">
-            <a:avLst/>
-          </a:prstGeom>
-        </p:spPr>
-        <p:txBody>
-          <a:bodyPr spcFirstLastPara="1" wrap="square" lIns="91425" tIns="91425" rIns="91425" bIns="91425" anchor="t" anchorCtr="0">
-            <a:noAutofit/>
-          </a:bodyPr>
-          <a:lstStyle/>
-          <a:p>
-            <a:pPr marL="0" lvl="0" indent="0" algn="l" rtl="0">
-              <a:spcBef>
-                <a:spcPts val="0"/>
-              </a:spcBef>
-              <a:spcAft>
-                <a:spcPts val="0"/>
-              </a:spcAft>
-              <a:buNone/>
-            </a:pPr>
-            <a:r>
-              <a:rPr lang="en"/>
-              <a:t>K8s Jobs</a:t>
-            </a:r>
-            <a:endParaRPr/>
-          </a:p>
-        </p:txBody>
-      </p:sp>
-      <p:sp>
-        <p:nvSpPr>
-          <p:cNvPr id="312" name="Google Shape;312;p44"/>
-          <p:cNvSpPr txBox="1">
-            <a:spLocks noGrp="1"/>
-          </p:cNvSpPr>
-          <p:nvPr>
-            <p:ph type="body" idx="1"/>
-          </p:nvPr>
-        </p:nvSpPr>
-        <p:spPr>
-          <a:xfrm>
-            <a:off x="311700" y="1152475"/>
-            <a:ext cx="8520600" cy="3416400"/>
-          </a:xfrm>
-          <a:prstGeom prst="rect">
-            <a:avLst/>
-          </a:prstGeom>
-        </p:spPr>
-        <p:txBody>
-          <a:bodyPr spcFirstLastPara="1" wrap="square" lIns="91425" tIns="91425" rIns="91425" bIns="91425" anchor="t" anchorCtr="0">
-            <a:noAutofit/>
-          </a:bodyPr>
-          <a:lstStyle/>
-          <a:p>
-            <a:pPr marL="457200" lvl="0" indent="-342900" algn="l" rtl="0">
-              <a:spcBef>
-                <a:spcPts val="0"/>
-              </a:spcBef>
-              <a:spcAft>
-                <a:spcPts val="0"/>
-              </a:spcAft>
-              <a:buSzPts val="1800"/>
-              <a:buChar char="-"/>
-            </a:pPr>
-            <a:r>
-              <a:rPr lang="en"/>
-              <a:t>Jednorázové tasky</a:t>
-            </a:r>
-            <a:endParaRPr/>
-          </a:p>
-          <a:p>
-            <a:pPr marL="457200" lvl="0" indent="-342900" algn="l" rtl="0">
-              <a:spcBef>
-                <a:spcPts val="0"/>
-              </a:spcBef>
-              <a:spcAft>
-                <a:spcPts val="0"/>
-              </a:spcAft>
-              <a:buSzPts val="1800"/>
-              <a:buChar char="-"/>
-            </a:pPr>
-            <a:r>
-              <a:rPr lang="en"/>
-              <a:t>Spustí pod pro vykonání tasku, počká na výsledek, zaznamená výsledek</a:t>
-            </a:r>
-            <a:endParaRPr/>
-          </a:p>
-          <a:p>
-            <a:pPr marL="457200" lvl="0" indent="-342900" algn="l" rtl="0">
-              <a:spcBef>
-                <a:spcPts val="0"/>
-              </a:spcBef>
-              <a:spcAft>
-                <a:spcPts val="0"/>
-              </a:spcAft>
-              <a:buSzPts val="1800"/>
-              <a:buChar char="-"/>
-            </a:pPr>
-            <a:r>
-              <a:rPr lang="en"/>
-              <a:t>K8s CronJob, spouští Job tasky periodicky</a:t>
-            </a:r>
-            <a:endParaRPr/>
-          </a:p>
-        </p:txBody>
-      </p:sp>
-    </p:spTree>
-  </p:cSld>
-  <p:clrMapOvr>
-    <a:masterClrMapping/>
-  </p:clrMapOvr>
-</p:sld>
-</file>
-
-<file path=ppt/slides/slide27.xml><?xml version="1.0" encoding="utf-8"?>
-<p:sld xmlns:a="http://schemas.openxmlformats.org/drawingml/2006/main" xmlns:r="http://schemas.openxmlformats.org/officeDocument/2006/relationships" xmlns:p="http://schemas.openxmlformats.org/presentationml/2006/main">
-  <p:cSld>
-    <p:spTree>
-      <p:nvGrpSpPr>
-        <p:cNvPr id="1" name="Shape 316"/>
-        <p:cNvGrpSpPr/>
-        <p:nvPr/>
-      </p:nvGrpSpPr>
-      <p:grpSpPr>
-        <a:xfrm>
-          <a:off x="0" y="0"/>
-          <a:ext cx="0" cy="0"/>
-          <a:chOff x="0" y="0"/>
-          <a:chExt cx="0" cy="0"/>
-        </a:xfrm>
-      </p:grpSpPr>
-      <p:sp>
-        <p:nvSpPr>
-          <p:cNvPr id="317" name="Google Shape;317;p45"/>
-          <p:cNvSpPr txBox="1">
-            <a:spLocks noGrp="1"/>
-          </p:cNvSpPr>
-          <p:nvPr>
-            <p:ph type="title"/>
-          </p:nvPr>
-        </p:nvSpPr>
-        <p:spPr>
-          <a:xfrm>
-            <a:off x="311700" y="445025"/>
-            <a:ext cx="8520600" cy="572700"/>
-          </a:xfrm>
-          <a:prstGeom prst="rect">
-            <a:avLst/>
-          </a:prstGeom>
-        </p:spPr>
-        <p:txBody>
-          <a:bodyPr spcFirstLastPara="1" wrap="square" lIns="91425" tIns="91425" rIns="91425" bIns="91425" anchor="t" anchorCtr="0">
-            <a:noAutofit/>
-          </a:bodyPr>
-          <a:lstStyle/>
-          <a:p>
-            <a:pPr marL="0" lvl="0" indent="0" algn="l" rtl="0">
-              <a:spcBef>
-                <a:spcPts val="0"/>
-              </a:spcBef>
-              <a:spcAft>
-                <a:spcPts val="0"/>
-              </a:spcAft>
-              <a:buNone/>
-            </a:pPr>
-            <a:r>
-              <a:rPr lang="en"/>
-              <a:t>K8s StatefulSets</a:t>
-            </a:r>
-            <a:endParaRPr/>
-          </a:p>
-        </p:txBody>
-      </p:sp>
-      <p:sp>
-        <p:nvSpPr>
-          <p:cNvPr id="318" name="Google Shape;318;p45"/>
-          <p:cNvSpPr txBox="1">
-            <a:spLocks noGrp="1"/>
-          </p:cNvSpPr>
-          <p:nvPr>
-            <p:ph type="body" idx="1"/>
-          </p:nvPr>
-        </p:nvSpPr>
-        <p:spPr>
-          <a:xfrm>
-            <a:off x="311700" y="1152475"/>
-            <a:ext cx="8520600" cy="3416400"/>
-          </a:xfrm>
-          <a:prstGeom prst="rect">
-            <a:avLst/>
-          </a:prstGeom>
-        </p:spPr>
-        <p:txBody>
-          <a:bodyPr spcFirstLastPara="1" wrap="square" lIns="91425" tIns="91425" rIns="91425" bIns="91425" anchor="t" anchorCtr="0">
-            <a:noAutofit/>
-          </a:bodyPr>
-          <a:lstStyle/>
-          <a:p>
-            <a:pPr marL="457200" lvl="0" indent="-342900" algn="l" rtl="0">
-              <a:spcBef>
-                <a:spcPts val="0"/>
-              </a:spcBef>
-              <a:spcAft>
-                <a:spcPts val="0"/>
-              </a:spcAft>
-              <a:buSzPts val="1800"/>
-              <a:buChar char="-"/>
-            </a:pPr>
-            <a:r>
-              <a:rPr lang="en"/>
-              <a:t>Správa “stateful” aplikací na k8s</a:t>
-            </a:r>
-            <a:endParaRPr/>
-          </a:p>
-          <a:p>
-            <a:pPr marL="457200" lvl="0" indent="-342900" algn="l" rtl="0">
-              <a:spcBef>
-                <a:spcPts val="0"/>
-              </a:spcBef>
-              <a:spcAft>
-                <a:spcPts val="0"/>
-              </a:spcAft>
-              <a:buSzPts val="1800"/>
-              <a:buChar char="-"/>
-            </a:pPr>
-            <a:r>
-              <a:rPr lang="en"/>
-              <a:t>Pody nejsou zaměnitelné, jsou unikátní, maji identitu</a:t>
-            </a:r>
-            <a:endParaRPr/>
-          </a:p>
-          <a:p>
-            <a:pPr marL="457200" lvl="0" indent="-342900" algn="l" rtl="0">
-              <a:spcBef>
-                <a:spcPts val="0"/>
-              </a:spcBef>
-              <a:spcAft>
-                <a:spcPts val="0"/>
-              </a:spcAft>
-              <a:buSzPts val="1800"/>
-              <a:buChar char="-"/>
-            </a:pPr>
-            <a:r>
-              <a:rPr lang="en"/>
-              <a:t>StatefulSet zajišťuje pořadí, unikátnost, identitu</a:t>
-            </a:r>
-            <a:endParaRPr/>
-          </a:p>
-          <a:p>
-            <a:pPr marL="457200" lvl="0" indent="-342900" algn="l" rtl="0">
-              <a:spcBef>
-                <a:spcPts val="0"/>
-              </a:spcBef>
-              <a:spcAft>
-                <a:spcPts val="0"/>
-              </a:spcAft>
-              <a:buSzPts val="1800"/>
-              <a:buChar char="-"/>
-            </a:pPr>
-            <a:r>
-              <a:rPr lang="en"/>
-              <a:t>Vhodné pro případy kde se řeší persistent storage </a:t>
-            </a:r>
-            <a:endParaRPr/>
-          </a:p>
-        </p:txBody>
-      </p:sp>
-    </p:spTree>
-  </p:cSld>
-  <p:clrMapOvr>
-    <a:masterClrMapping/>
-  </p:clrMapOvr>
-</p:sld>
-</file>
-
-<file path=ppt/slides/slide28.xml><?xml version="1.0" encoding="utf-8"?>
 <p:sld xmlns:a="http://schemas.openxmlformats.org/drawingml/2006/main" xmlns:r="http://schemas.openxmlformats.org/officeDocument/2006/relationships" xmlns:p="http://schemas.openxmlformats.org/presentationml/2006/main">
   <p:cSld>
     <p:spTree>
@@ -12440,7 +10792,7 @@
 </p:sld>
 </file>
 
-<file path=ppt/slides/slide29.xml><?xml version="1.0" encoding="utf-8"?>
+<file path=ppt/slides/slide25.xml><?xml version="1.0" encoding="utf-8"?>
 <p:sld xmlns:a="http://schemas.openxmlformats.org/drawingml/2006/main" xmlns:r="http://schemas.openxmlformats.org/officeDocument/2006/relationships" xmlns:p="http://schemas.openxmlformats.org/presentationml/2006/main">
   <p:cSld>
     <p:spTree>
@@ -12639,6 +10991,293 @@
             <a:r>
               <a:rPr lang="en"/>
               <a:t>???</a:t>
+            </a:r>
+            <a:endParaRPr/>
+          </a:p>
+        </p:txBody>
+      </p:sp>
+    </p:spTree>
+  </p:cSld>
+  <p:clrMapOvr>
+    <a:masterClrMapping/>
+  </p:clrMapOvr>
+  <p:timing>
+    <p:tnLst>
+      <p:par>
+        <p:cTn id="1" dur="indefinite" restart="never" nodeType="tmRoot"/>
+      </p:par>
+    </p:tnLst>
+  </p:timing>
+</p:sld>
+</file>
+
+<file path=ppt/slides/slide26.xml><?xml version="1.0" encoding="utf-8"?>
+<p:sld xmlns:a="http://schemas.openxmlformats.org/drawingml/2006/main" xmlns:r="http://schemas.openxmlformats.org/officeDocument/2006/relationships" xmlns:p="http://schemas.openxmlformats.org/presentationml/2006/main">
+  <p:cSld>
+    <p:spTree>
+      <p:nvGrpSpPr>
+        <p:cNvPr id="1" name="Shape 334"/>
+        <p:cNvGrpSpPr/>
+        <p:nvPr/>
+      </p:nvGrpSpPr>
+      <p:grpSpPr>
+        <a:xfrm>
+          <a:off x="0" y="0"/>
+          <a:ext cx="0" cy="0"/>
+          <a:chOff x="0" y="0"/>
+          <a:chExt cx="0" cy="0"/>
+        </a:xfrm>
+      </p:grpSpPr>
+      <p:sp>
+        <p:nvSpPr>
+          <p:cNvPr id="335" name="Google Shape;335;p48"/>
+          <p:cNvSpPr txBox="1">
+            <a:spLocks noGrp="1"/>
+          </p:cNvSpPr>
+          <p:nvPr>
+            <p:ph type="title"/>
+          </p:nvPr>
+        </p:nvSpPr>
+        <p:spPr>
+          <a:xfrm>
+            <a:off x="311700" y="445025"/>
+            <a:ext cx="8520600" cy="572700"/>
+          </a:xfrm>
+          <a:prstGeom prst="rect">
+            <a:avLst/>
+          </a:prstGeom>
+        </p:spPr>
+        <p:txBody>
+          <a:bodyPr spcFirstLastPara="1" wrap="square" lIns="91425" tIns="91425" rIns="91425" bIns="91425" anchor="t" anchorCtr="0">
+            <a:noAutofit/>
+          </a:bodyPr>
+          <a:lstStyle/>
+          <a:p>
+            <a:pPr marL="0" lvl="0" indent="0" algn="l" rtl="0">
+              <a:spcBef>
+                <a:spcPts val="0"/>
+              </a:spcBef>
+              <a:spcAft>
+                <a:spcPts val="0"/>
+              </a:spcAft>
+              <a:buNone/>
+            </a:pPr>
+            <a:r>
+              <a:rPr lang="en"/>
+              <a:t>Monitoring</a:t>
+            </a:r>
+            <a:endParaRPr/>
+          </a:p>
+        </p:txBody>
+      </p:sp>
+      <p:sp>
+        <p:nvSpPr>
+          <p:cNvPr id="336" name="Google Shape;336;p48"/>
+          <p:cNvSpPr txBox="1">
+            <a:spLocks noGrp="1"/>
+          </p:cNvSpPr>
+          <p:nvPr>
+            <p:ph type="body" idx="1"/>
+          </p:nvPr>
+        </p:nvSpPr>
+        <p:spPr>
+          <a:xfrm>
+            <a:off x="311700" y="1152475"/>
+            <a:ext cx="8520600" cy="3416400"/>
+          </a:xfrm>
+          <a:prstGeom prst="rect">
+            <a:avLst/>
+          </a:prstGeom>
+        </p:spPr>
+        <p:txBody>
+          <a:bodyPr spcFirstLastPara="1" wrap="square" lIns="91425" tIns="91425" rIns="91425" bIns="91425" anchor="t" anchorCtr="0">
+            <a:noAutofit/>
+          </a:bodyPr>
+          <a:lstStyle/>
+          <a:p>
+            <a:pPr marL="457200" lvl="0" indent="-342900" algn="l" rtl="0">
+              <a:spcBef>
+                <a:spcPts val="0"/>
+              </a:spcBef>
+              <a:spcAft>
+                <a:spcPts val="0"/>
+              </a:spcAft>
+              <a:buSzPts val="1800"/>
+              <a:buChar char="-"/>
+            </a:pPr>
+            <a:r>
+              <a:rPr lang="en"/>
+              <a:t>AWS Cloudwatch</a:t>
+            </a:r>
+            <a:endParaRPr/>
+          </a:p>
+          <a:p>
+            <a:pPr marL="457200" lvl="0" indent="-342900" algn="l" rtl="0">
+              <a:spcBef>
+                <a:spcPts val="0"/>
+              </a:spcBef>
+              <a:spcAft>
+                <a:spcPts val="0"/>
+              </a:spcAft>
+              <a:buSzPts val="1800"/>
+              <a:buChar char="-"/>
+            </a:pPr>
+            <a:r>
+              <a:rPr lang="en"/>
+              <a:t>Prometheus</a:t>
+            </a:r>
+            <a:endParaRPr/>
+          </a:p>
+          <a:p>
+            <a:pPr marL="914400" lvl="1" indent="-317500" algn="l" rtl="0">
+              <a:spcBef>
+                <a:spcPts val="0"/>
+              </a:spcBef>
+              <a:spcAft>
+                <a:spcPts val="0"/>
+              </a:spcAft>
+              <a:buSzPts val="1400"/>
+              <a:buChar char="-"/>
+            </a:pPr>
+            <a:r>
+              <a:rPr lang="en"/>
+              <a:t>Pull-based</a:t>
+            </a:r>
+            <a:endParaRPr/>
+          </a:p>
+          <a:p>
+            <a:pPr marL="914400" lvl="1" indent="-317500" algn="l" rtl="0">
+              <a:spcBef>
+                <a:spcPts val="0"/>
+              </a:spcBef>
+              <a:spcAft>
+                <a:spcPts val="0"/>
+              </a:spcAft>
+              <a:buSzPts val="1400"/>
+              <a:buChar char="-"/>
+            </a:pPr>
+            <a:r>
+              <a:rPr lang="en"/>
+              <a:t>No historical data</a:t>
+            </a:r>
+            <a:endParaRPr/>
+          </a:p>
+          <a:p>
+            <a:pPr marL="914400" lvl="1" indent="-317500" algn="l" rtl="0">
+              <a:spcBef>
+                <a:spcPts val="0"/>
+              </a:spcBef>
+              <a:spcAft>
+                <a:spcPts val="0"/>
+              </a:spcAft>
+              <a:buSzPts val="1400"/>
+              <a:buChar char="-"/>
+            </a:pPr>
+            <a:r>
+              <a:rPr lang="en"/>
+              <a:t>Service discovery</a:t>
+            </a:r>
+            <a:endParaRPr/>
+          </a:p>
+          <a:p>
+            <a:pPr marL="914400" lvl="1" indent="-317500" algn="l" rtl="0">
+              <a:spcBef>
+                <a:spcPts val="0"/>
+              </a:spcBef>
+              <a:spcAft>
+                <a:spcPts val="0"/>
+              </a:spcAft>
+              <a:buSzPts val="1400"/>
+              <a:buChar char="-"/>
+            </a:pPr>
+            <a:r>
+              <a:rPr lang="en"/>
+              <a:t>K8s friendly</a:t>
+            </a:r>
+            <a:endParaRPr/>
+          </a:p>
+          <a:p>
+            <a:pPr marL="457200" lvl="0" indent="-342900" algn="l" rtl="0">
+              <a:spcBef>
+                <a:spcPts val="0"/>
+              </a:spcBef>
+              <a:spcAft>
+                <a:spcPts val="0"/>
+              </a:spcAft>
+              <a:buSzPts val="1800"/>
+              <a:buChar char="-"/>
+            </a:pPr>
+            <a:r>
+              <a:rPr lang="en"/>
+              <a:t>Datadog</a:t>
+            </a:r>
+            <a:endParaRPr/>
+          </a:p>
+          <a:p>
+            <a:pPr marL="914400" lvl="1" indent="-317500" algn="l" rtl="0">
+              <a:spcBef>
+                <a:spcPts val="0"/>
+              </a:spcBef>
+              <a:spcAft>
+                <a:spcPts val="0"/>
+              </a:spcAft>
+              <a:buSzPts val="1400"/>
+              <a:buChar char="-"/>
+            </a:pPr>
+            <a:r>
+              <a:rPr lang="en"/>
+              <a:t>Nice UI/UX</a:t>
+            </a:r>
+            <a:endParaRPr/>
+          </a:p>
+          <a:p>
+            <a:pPr marL="457200" lvl="0" indent="-342900" algn="l" rtl="0">
+              <a:spcBef>
+                <a:spcPts val="0"/>
+              </a:spcBef>
+              <a:spcAft>
+                <a:spcPts val="0"/>
+              </a:spcAft>
+              <a:buSzPts val="1800"/>
+              <a:buChar char="-"/>
+            </a:pPr>
+            <a:r>
+              <a:rPr lang="en"/>
+              <a:t>New Relic</a:t>
+            </a:r>
+            <a:endParaRPr/>
+          </a:p>
+          <a:p>
+            <a:pPr marL="914400" lvl="1" indent="-317500" algn="l" rtl="0">
+              <a:spcBef>
+                <a:spcPts val="0"/>
+              </a:spcBef>
+              <a:spcAft>
+                <a:spcPts val="0"/>
+              </a:spcAft>
+              <a:buSzPts val="1400"/>
+              <a:buChar char="-"/>
+            </a:pPr>
+            <a:r>
+              <a:rPr lang="en"/>
+              <a:t>$$$$$$$$$$$$$$$$$$$</a:t>
+            </a:r>
+            <a:endParaRPr/>
+          </a:p>
+          <a:p>
+            <a:pPr marL="457200" lvl="0" indent="-342900" algn="l" rtl="0">
+              <a:spcBef>
+                <a:spcPts val="0"/>
+              </a:spcBef>
+              <a:spcAft>
+                <a:spcPts val="0"/>
+              </a:spcAft>
+              <a:buSzPts val="1800"/>
+              <a:buChar char="-"/>
+            </a:pPr>
+            <a:r>
+              <a:rPr lang="en"/>
+              <a:t>Honeycomb.io</a:t>
             </a:r>
             <a:endParaRPr/>
           </a:p>
@@ -12960,293 +11599,6 @@
               <a:buNone/>
             </a:pPr>
             <a:endParaRPr dirty="0"/>
-          </a:p>
-        </p:txBody>
-      </p:sp>
-    </p:spTree>
-  </p:cSld>
-  <p:clrMapOvr>
-    <a:masterClrMapping/>
-  </p:clrMapOvr>
-  <p:timing>
-    <p:tnLst>
-      <p:par>
-        <p:cTn id="1" dur="indefinite" restart="never" nodeType="tmRoot"/>
-      </p:par>
-    </p:tnLst>
-  </p:timing>
-</p:sld>
-</file>
-
-<file path=ppt/slides/slide30.xml><?xml version="1.0" encoding="utf-8"?>
-<p:sld xmlns:a="http://schemas.openxmlformats.org/drawingml/2006/main" xmlns:r="http://schemas.openxmlformats.org/officeDocument/2006/relationships" xmlns:p="http://schemas.openxmlformats.org/presentationml/2006/main">
-  <p:cSld>
-    <p:spTree>
-      <p:nvGrpSpPr>
-        <p:cNvPr id="1" name="Shape 334"/>
-        <p:cNvGrpSpPr/>
-        <p:nvPr/>
-      </p:nvGrpSpPr>
-      <p:grpSpPr>
-        <a:xfrm>
-          <a:off x="0" y="0"/>
-          <a:ext cx="0" cy="0"/>
-          <a:chOff x="0" y="0"/>
-          <a:chExt cx="0" cy="0"/>
-        </a:xfrm>
-      </p:grpSpPr>
-      <p:sp>
-        <p:nvSpPr>
-          <p:cNvPr id="335" name="Google Shape;335;p48"/>
-          <p:cNvSpPr txBox="1">
-            <a:spLocks noGrp="1"/>
-          </p:cNvSpPr>
-          <p:nvPr>
-            <p:ph type="title"/>
-          </p:nvPr>
-        </p:nvSpPr>
-        <p:spPr>
-          <a:xfrm>
-            <a:off x="311700" y="445025"/>
-            <a:ext cx="8520600" cy="572700"/>
-          </a:xfrm>
-          <a:prstGeom prst="rect">
-            <a:avLst/>
-          </a:prstGeom>
-        </p:spPr>
-        <p:txBody>
-          <a:bodyPr spcFirstLastPara="1" wrap="square" lIns="91425" tIns="91425" rIns="91425" bIns="91425" anchor="t" anchorCtr="0">
-            <a:noAutofit/>
-          </a:bodyPr>
-          <a:lstStyle/>
-          <a:p>
-            <a:pPr marL="0" lvl="0" indent="0" algn="l" rtl="0">
-              <a:spcBef>
-                <a:spcPts val="0"/>
-              </a:spcBef>
-              <a:spcAft>
-                <a:spcPts val="0"/>
-              </a:spcAft>
-              <a:buNone/>
-            </a:pPr>
-            <a:r>
-              <a:rPr lang="en"/>
-              <a:t>Monitoring</a:t>
-            </a:r>
-            <a:endParaRPr/>
-          </a:p>
-        </p:txBody>
-      </p:sp>
-      <p:sp>
-        <p:nvSpPr>
-          <p:cNvPr id="336" name="Google Shape;336;p48"/>
-          <p:cNvSpPr txBox="1">
-            <a:spLocks noGrp="1"/>
-          </p:cNvSpPr>
-          <p:nvPr>
-            <p:ph type="body" idx="1"/>
-          </p:nvPr>
-        </p:nvSpPr>
-        <p:spPr>
-          <a:xfrm>
-            <a:off x="311700" y="1152475"/>
-            <a:ext cx="8520600" cy="3416400"/>
-          </a:xfrm>
-          <a:prstGeom prst="rect">
-            <a:avLst/>
-          </a:prstGeom>
-        </p:spPr>
-        <p:txBody>
-          <a:bodyPr spcFirstLastPara="1" wrap="square" lIns="91425" tIns="91425" rIns="91425" bIns="91425" anchor="t" anchorCtr="0">
-            <a:noAutofit/>
-          </a:bodyPr>
-          <a:lstStyle/>
-          <a:p>
-            <a:pPr marL="457200" lvl="0" indent="-342900" algn="l" rtl="0">
-              <a:spcBef>
-                <a:spcPts val="0"/>
-              </a:spcBef>
-              <a:spcAft>
-                <a:spcPts val="0"/>
-              </a:spcAft>
-              <a:buSzPts val="1800"/>
-              <a:buChar char="-"/>
-            </a:pPr>
-            <a:r>
-              <a:rPr lang="en"/>
-              <a:t>AWS Cloudwatch</a:t>
-            </a:r>
-            <a:endParaRPr/>
-          </a:p>
-          <a:p>
-            <a:pPr marL="457200" lvl="0" indent="-342900" algn="l" rtl="0">
-              <a:spcBef>
-                <a:spcPts val="0"/>
-              </a:spcBef>
-              <a:spcAft>
-                <a:spcPts val="0"/>
-              </a:spcAft>
-              <a:buSzPts val="1800"/>
-              <a:buChar char="-"/>
-            </a:pPr>
-            <a:r>
-              <a:rPr lang="en"/>
-              <a:t>Prometheus</a:t>
-            </a:r>
-            <a:endParaRPr/>
-          </a:p>
-          <a:p>
-            <a:pPr marL="914400" lvl="1" indent="-317500" algn="l" rtl="0">
-              <a:spcBef>
-                <a:spcPts val="0"/>
-              </a:spcBef>
-              <a:spcAft>
-                <a:spcPts val="0"/>
-              </a:spcAft>
-              <a:buSzPts val="1400"/>
-              <a:buChar char="-"/>
-            </a:pPr>
-            <a:r>
-              <a:rPr lang="en"/>
-              <a:t>Pull-based</a:t>
-            </a:r>
-            <a:endParaRPr/>
-          </a:p>
-          <a:p>
-            <a:pPr marL="914400" lvl="1" indent="-317500" algn="l" rtl="0">
-              <a:spcBef>
-                <a:spcPts val="0"/>
-              </a:spcBef>
-              <a:spcAft>
-                <a:spcPts val="0"/>
-              </a:spcAft>
-              <a:buSzPts val="1400"/>
-              <a:buChar char="-"/>
-            </a:pPr>
-            <a:r>
-              <a:rPr lang="en"/>
-              <a:t>No historical data</a:t>
-            </a:r>
-            <a:endParaRPr/>
-          </a:p>
-          <a:p>
-            <a:pPr marL="914400" lvl="1" indent="-317500" algn="l" rtl="0">
-              <a:spcBef>
-                <a:spcPts val="0"/>
-              </a:spcBef>
-              <a:spcAft>
-                <a:spcPts val="0"/>
-              </a:spcAft>
-              <a:buSzPts val="1400"/>
-              <a:buChar char="-"/>
-            </a:pPr>
-            <a:r>
-              <a:rPr lang="en"/>
-              <a:t>Service discovery</a:t>
-            </a:r>
-            <a:endParaRPr/>
-          </a:p>
-          <a:p>
-            <a:pPr marL="914400" lvl="1" indent="-317500" algn="l" rtl="0">
-              <a:spcBef>
-                <a:spcPts val="0"/>
-              </a:spcBef>
-              <a:spcAft>
-                <a:spcPts val="0"/>
-              </a:spcAft>
-              <a:buSzPts val="1400"/>
-              <a:buChar char="-"/>
-            </a:pPr>
-            <a:r>
-              <a:rPr lang="en"/>
-              <a:t>K8s friendly</a:t>
-            </a:r>
-            <a:endParaRPr/>
-          </a:p>
-          <a:p>
-            <a:pPr marL="457200" lvl="0" indent="-342900" algn="l" rtl="0">
-              <a:spcBef>
-                <a:spcPts val="0"/>
-              </a:spcBef>
-              <a:spcAft>
-                <a:spcPts val="0"/>
-              </a:spcAft>
-              <a:buSzPts val="1800"/>
-              <a:buChar char="-"/>
-            </a:pPr>
-            <a:r>
-              <a:rPr lang="en"/>
-              <a:t>Datadog</a:t>
-            </a:r>
-            <a:endParaRPr/>
-          </a:p>
-          <a:p>
-            <a:pPr marL="914400" lvl="1" indent="-317500" algn="l" rtl="0">
-              <a:spcBef>
-                <a:spcPts val="0"/>
-              </a:spcBef>
-              <a:spcAft>
-                <a:spcPts val="0"/>
-              </a:spcAft>
-              <a:buSzPts val="1400"/>
-              <a:buChar char="-"/>
-            </a:pPr>
-            <a:r>
-              <a:rPr lang="en"/>
-              <a:t>Nice UI/UX</a:t>
-            </a:r>
-            <a:endParaRPr/>
-          </a:p>
-          <a:p>
-            <a:pPr marL="457200" lvl="0" indent="-342900" algn="l" rtl="0">
-              <a:spcBef>
-                <a:spcPts val="0"/>
-              </a:spcBef>
-              <a:spcAft>
-                <a:spcPts val="0"/>
-              </a:spcAft>
-              <a:buSzPts val="1800"/>
-              <a:buChar char="-"/>
-            </a:pPr>
-            <a:r>
-              <a:rPr lang="en"/>
-              <a:t>New Relic</a:t>
-            </a:r>
-            <a:endParaRPr/>
-          </a:p>
-          <a:p>
-            <a:pPr marL="914400" lvl="1" indent="-317500" algn="l" rtl="0">
-              <a:spcBef>
-                <a:spcPts val="0"/>
-              </a:spcBef>
-              <a:spcAft>
-                <a:spcPts val="0"/>
-              </a:spcAft>
-              <a:buSzPts val="1400"/>
-              <a:buChar char="-"/>
-            </a:pPr>
-            <a:r>
-              <a:rPr lang="en"/>
-              <a:t>$$$$$$$$$$$$$$$$$$$</a:t>
-            </a:r>
-            <a:endParaRPr/>
-          </a:p>
-          <a:p>
-            <a:pPr marL="457200" lvl="0" indent="-342900" algn="l" rtl="0">
-              <a:spcBef>
-                <a:spcPts val="0"/>
-              </a:spcBef>
-              <a:spcAft>
-                <a:spcPts val="0"/>
-              </a:spcAft>
-              <a:buSzPts val="1800"/>
-              <a:buChar char="-"/>
-            </a:pPr>
-            <a:r>
-              <a:rPr lang="en"/>
-              <a:t>Honeycomb.io</a:t>
-            </a:r>
-            <a:endParaRPr/>
           </a:p>
         </p:txBody>
       </p:sp>
